--- a/2/2.pptx
+++ b/2/2.pptx
@@ -19,18 +19,19 @@
     <p:sldId id="268" r:id="rId13"/>
     <p:sldId id="269" r:id="rId14"/>
     <p:sldId id="270" r:id="rId15"/>
-    <p:sldId id="266" r:id="rId16"/>
-    <p:sldId id="271" r:id="rId17"/>
-    <p:sldId id="272" r:id="rId18"/>
-    <p:sldId id="273" r:id="rId19"/>
-    <p:sldId id="274" r:id="rId20"/>
-    <p:sldId id="275" r:id="rId21"/>
-    <p:sldId id="276" r:id="rId22"/>
-    <p:sldId id="277" r:id="rId23"/>
-    <p:sldId id="278" r:id="rId24"/>
-    <p:sldId id="279" r:id="rId25"/>
-    <p:sldId id="280" r:id="rId26"/>
-    <p:sldId id="281" r:id="rId27"/>
+    <p:sldId id="310" r:id="rId16"/>
+    <p:sldId id="266" r:id="rId17"/>
+    <p:sldId id="271" r:id="rId18"/>
+    <p:sldId id="272" r:id="rId19"/>
+    <p:sldId id="273" r:id="rId20"/>
+    <p:sldId id="274" r:id="rId21"/>
+    <p:sldId id="275" r:id="rId22"/>
+    <p:sldId id="276" r:id="rId23"/>
+    <p:sldId id="277" r:id="rId24"/>
+    <p:sldId id="278" r:id="rId25"/>
+    <p:sldId id="279" r:id="rId26"/>
+    <p:sldId id="280" r:id="rId27"/>
+    <p:sldId id="281" r:id="rId28"/>
   </p:sldIdLst>
   <p:sldSz cx="12192000" cy="6858000"/>
   <p:notesSz cx="6858000" cy="9144000"/>
@@ -653,7 +654,7 @@
           <a:p>
             <a:fld id="{530820CF-B880-4189-942D-D702A7CBA730}" type="datetimeFigureOut">
               <a:rPr lang="zh-CN" altLang="en-US" smtClean="0"/>
-              <a:t>2021/7/5</a:t>
+              <a:t>2021/7/6</a:t>
             </a:fld>
             <a:endParaRPr lang="zh-CN" altLang="en-US"/>
           </a:p>
@@ -1052,7 +1053,7 @@
           <a:p>
             <a:fld id="{530820CF-B880-4189-942D-D702A7CBA730}" type="datetimeFigureOut">
               <a:rPr lang="zh-CN" altLang="en-US" smtClean="0"/>
-              <a:t>2021/7/5</a:t>
+              <a:t>2021/7/6</a:t>
             </a:fld>
             <a:endParaRPr lang="zh-CN" altLang="en-US"/>
           </a:p>
@@ -1312,7 +1313,7 @@
           <a:p>
             <a:fld id="{530820CF-B880-4189-942D-D702A7CBA730}" type="datetimeFigureOut">
               <a:rPr lang="zh-CN" altLang="en-US" smtClean="0"/>
-              <a:t>2021/7/5</a:t>
+              <a:t>2021/7/6</a:t>
             </a:fld>
             <a:endParaRPr lang="zh-CN" altLang="en-US"/>
           </a:p>
@@ -1864,7 +1865,7 @@
           <a:p>
             <a:fld id="{530820CF-B880-4189-942D-D702A7CBA730}" type="datetimeFigureOut">
               <a:rPr lang="zh-CN" altLang="en-US" smtClean="0"/>
-              <a:t>2021/7/5</a:t>
+              <a:t>2021/7/6</a:t>
             </a:fld>
             <a:endParaRPr lang="zh-CN" altLang="en-US"/>
           </a:p>
@@ -2124,7 +2125,7 @@
           <a:p>
             <a:fld id="{530820CF-B880-4189-942D-D702A7CBA730}" type="datetimeFigureOut">
               <a:rPr lang="zh-CN" altLang="en-US" smtClean="0"/>
-              <a:t>2021/7/5</a:t>
+              <a:t>2021/7/6</a:t>
             </a:fld>
             <a:endParaRPr lang="zh-CN" altLang="en-US"/>
           </a:p>
@@ -2668,7 +2669,7 @@
           <a:p>
             <a:fld id="{530820CF-B880-4189-942D-D702A7CBA730}" type="datetimeFigureOut">
               <a:rPr lang="zh-CN" altLang="en-US" smtClean="0"/>
-              <a:t>2021/7/5</a:t>
+              <a:t>2021/7/6</a:t>
             </a:fld>
             <a:endParaRPr lang="zh-CN" altLang="en-US"/>
           </a:p>
@@ -2977,7 +2978,7 @@
           <a:p>
             <a:fld id="{530820CF-B880-4189-942D-D702A7CBA730}" type="datetimeFigureOut">
               <a:rPr lang="zh-CN" altLang="en-US" smtClean="0"/>
-              <a:t>2021/7/5</a:t>
+              <a:t>2021/7/6</a:t>
             </a:fld>
             <a:endParaRPr lang="zh-CN" altLang="en-US"/>
           </a:p>
@@ -3163,7 +3164,7 @@
           <a:p>
             <a:fld id="{530820CF-B880-4189-942D-D702A7CBA730}" type="datetimeFigureOut">
               <a:rPr lang="zh-CN" altLang="en-US" smtClean="0"/>
-              <a:t>2021/7/5</a:t>
+              <a:t>2021/7/6</a:t>
             </a:fld>
             <a:endParaRPr lang="zh-CN" altLang="en-US"/>
           </a:p>
@@ -3355,7 +3356,7 @@
           <a:p>
             <a:fld id="{530820CF-B880-4189-942D-D702A7CBA730}" type="datetimeFigureOut">
               <a:rPr lang="zh-CN" altLang="en-US" smtClean="0"/>
-              <a:t>2021/7/5</a:t>
+              <a:t>2021/7/6</a:t>
             </a:fld>
             <a:endParaRPr lang="zh-CN" altLang="en-US"/>
           </a:p>
@@ -3552,7 +3553,7 @@
           <a:p>
             <a:fld id="{530820CF-B880-4189-942D-D702A7CBA730}" type="datetimeFigureOut">
               <a:rPr lang="zh-CN" altLang="en-US" smtClean="0"/>
-              <a:t>2021/7/5</a:t>
+              <a:t>2021/7/6</a:t>
             </a:fld>
             <a:endParaRPr lang="zh-CN" altLang="en-US"/>
           </a:p>
@@ -3820,7 +3821,7 @@
           <a:p>
             <a:fld id="{530820CF-B880-4189-942D-D702A7CBA730}" type="datetimeFigureOut">
               <a:rPr lang="zh-CN" altLang="en-US" smtClean="0"/>
-              <a:t>2021/7/5</a:t>
+              <a:t>2021/7/6</a:t>
             </a:fld>
             <a:endParaRPr lang="zh-CN" altLang="en-US"/>
           </a:p>
@@ -4134,7 +4135,7 @@
           <a:p>
             <a:fld id="{530820CF-B880-4189-942D-D702A7CBA730}" type="datetimeFigureOut">
               <a:rPr lang="zh-CN" altLang="en-US" smtClean="0"/>
-              <a:t>2021/7/5</a:t>
+              <a:t>2021/7/6</a:t>
             </a:fld>
             <a:endParaRPr lang="zh-CN" altLang="en-US"/>
           </a:p>
@@ -4588,7 +4589,7 @@
           <a:p>
             <a:fld id="{530820CF-B880-4189-942D-D702A7CBA730}" type="datetimeFigureOut">
               <a:rPr lang="zh-CN" altLang="en-US" smtClean="0"/>
-              <a:t>2021/7/5</a:t>
+              <a:t>2021/7/6</a:t>
             </a:fld>
             <a:endParaRPr lang="zh-CN" altLang="en-US"/>
           </a:p>
@@ -4718,7 +4719,7 @@
           <a:p>
             <a:fld id="{530820CF-B880-4189-942D-D702A7CBA730}" type="datetimeFigureOut">
               <a:rPr lang="zh-CN" altLang="en-US" smtClean="0"/>
-              <a:t>2021/7/5</a:t>
+              <a:t>2021/7/6</a:t>
             </a:fld>
             <a:endParaRPr lang="zh-CN" altLang="en-US"/>
           </a:p>
@@ -4825,7 +4826,7 @@
           <a:p>
             <a:fld id="{530820CF-B880-4189-942D-D702A7CBA730}" type="datetimeFigureOut">
               <a:rPr lang="zh-CN" altLang="en-US" smtClean="0"/>
-              <a:t>2021/7/5</a:t>
+              <a:t>2021/7/6</a:t>
             </a:fld>
             <a:endParaRPr lang="zh-CN" altLang="en-US"/>
           </a:p>
@@ -5120,7 +5121,7 @@
           <a:p>
             <a:fld id="{530820CF-B880-4189-942D-D702A7CBA730}" type="datetimeFigureOut">
               <a:rPr lang="zh-CN" altLang="en-US" smtClean="0"/>
-              <a:t>2021/7/5</a:t>
+              <a:t>2021/7/6</a:t>
             </a:fld>
             <a:endParaRPr lang="zh-CN" altLang="en-US"/>
           </a:p>
@@ -5423,7 +5424,7 @@
           <a:p>
             <a:fld id="{530820CF-B880-4189-942D-D702A7CBA730}" type="datetimeFigureOut">
               <a:rPr lang="zh-CN" altLang="en-US" smtClean="0"/>
-              <a:t>2021/7/5</a:t>
+              <a:t>2021/7/6</a:t>
             </a:fld>
             <a:endParaRPr lang="zh-CN" altLang="en-US"/>
           </a:p>
@@ -5959,7 +5960,7 @@
           <a:p>
             <a:fld id="{530820CF-B880-4189-942D-D702A7CBA730}" type="datetimeFigureOut">
               <a:rPr lang="zh-CN" altLang="en-US" smtClean="0"/>
-              <a:t>2021/7/5</a:t>
+              <a:t>2021/7/6</a:t>
             </a:fld>
             <a:endParaRPr lang="zh-CN" altLang="en-US"/>
           </a:p>
@@ -6697,22 +6698,14 @@
           <a:p>
             <a:r>
               <a:rPr lang="zh-CN" altLang="en-US" dirty="0"/>
-              <a:t>仍采用实验</a:t>
-            </a:r>
-            <a:r>
-              <a:rPr lang="en-US" altLang="zh-CN" dirty="0"/>
-              <a:t>5</a:t>
-            </a:r>
-            <a:r>
-              <a:rPr lang="zh-CN" altLang="en-US" dirty="0"/>
-              <a:t>电路</a:t>
+              <a:t>仍采用上个实验电路。</a:t>
             </a:r>
             <a:endParaRPr lang="en-US" altLang="zh-CN" dirty="0"/>
           </a:p>
           <a:p>
             <a:r>
               <a:rPr lang="zh-CN" altLang="zh-CN" dirty="0"/>
-              <a:t>过指定的时间间隔，给数码管中的</a:t>
+              <a:t>指定时间间隔，给数码管中的</a:t>
             </a:r>
             <a:r>
               <a:rPr lang="en-US" altLang="zh-CN" dirty="0"/>
@@ -6721,6 +6714,10 @@
             <a:r>
               <a:rPr lang="zh-CN" altLang="zh-CN" dirty="0"/>
               <a:t>个不同的晶体管，设置（高电平或低电平）</a:t>
+            </a:r>
+            <a:r>
+              <a:rPr lang="zh-CN" altLang="en-US" dirty="0"/>
+              <a:t>。</a:t>
             </a:r>
             <a:endParaRPr lang="en-US" altLang="zh-CN" dirty="0"/>
           </a:p>
@@ -7184,7 +7181,15 @@
             </a:r>
             <a:r>
               <a:rPr lang="zh-CN" altLang="zh-CN" dirty="0"/>
-              <a:t>主板没有这么多引脚，那么最终有什么方法节省引脚呢</a:t>
+              <a:t>主板没有这么多引脚，那么最终</a:t>
+            </a:r>
+            <a:r>
+              <a:rPr lang="zh-CN" altLang="zh-CN" b="1" dirty="0">
+                <a:solidFill>
+                  <a:srgbClr val="FF0000"/>
+                </a:solidFill>
+              </a:rPr>
+              <a:t>有什么方法节省引脚呢</a:t>
             </a:r>
             <a:r>
               <a:rPr lang="en-US" altLang="zh-CN" dirty="0"/>
@@ -7194,7 +7199,15 @@
           <a:p>
             <a:r>
               <a:rPr lang="zh-CN" altLang="zh-CN" dirty="0"/>
-              <a:t>接通不同引脚（给高电平），点亮对应的</a:t>
+              <a:t>接通不同引脚（</a:t>
+            </a:r>
+            <a:r>
+              <a:rPr lang="zh-CN" altLang="en-US" dirty="0"/>
+              <a:t>如：</a:t>
+            </a:r>
+            <a:r>
+              <a:rPr lang="zh-CN" altLang="zh-CN" dirty="0"/>
+              <a:t>给高电平），点亮对应的</a:t>
             </a:r>
             <a:r>
               <a:rPr lang="en-US" altLang="zh-CN" dirty="0"/>
@@ -7532,6 +7545,888 @@
 </file>
 
 <file path=ppt/slides/slide15.xml><?xml version="1.0" encoding="utf-8"?>
+<p:sld xmlns:a="http://schemas.openxmlformats.org/drawingml/2006/main" xmlns:r="http://schemas.openxmlformats.org/officeDocument/2006/relationships" xmlns:p="http://schemas.openxmlformats.org/presentationml/2006/main">
+  <p:cSld>
+    <p:spTree>
+      <p:nvGrpSpPr>
+        <p:cNvPr id="1" name=""/>
+        <p:cNvGrpSpPr/>
+        <p:nvPr/>
+      </p:nvGrpSpPr>
+      <p:grpSpPr>
+        <a:xfrm>
+          <a:off x="0" y="0"/>
+          <a:ext cx="0" cy="0"/>
+          <a:chOff x="0" y="0"/>
+          <a:chExt cx="0" cy="0"/>
+        </a:xfrm>
+      </p:grpSpPr>
+      <p:sp>
+        <p:nvSpPr>
+          <p:cNvPr id="2" name="标题 1">
+            <a:extLst>
+              <a:ext uri="{FF2B5EF4-FFF2-40B4-BE49-F238E27FC236}">
+                <a16:creationId xmlns:a16="http://schemas.microsoft.com/office/drawing/2014/main" id="{76011B2F-51B4-4E59-93D0-705BFCAE271A}"/>
+              </a:ext>
+            </a:extLst>
+          </p:cNvPr>
+          <p:cNvSpPr>
+            <a:spLocks noGrp="1"/>
+          </p:cNvSpPr>
+          <p:nvPr>
+            <p:ph type="title"/>
+          </p:nvPr>
+        </p:nvSpPr>
+        <p:spPr/>
+        <p:txBody>
+          <a:bodyPr/>
+          <a:lstStyle/>
+          <a:p>
+            <a:r>
+              <a:rPr lang="zh-CN" altLang="en-US" dirty="0"/>
+              <a:t>引脚接口关系</a:t>
+            </a:r>
+          </a:p>
+        </p:txBody>
+      </p:sp>
+      <p:graphicFrame>
+        <p:nvGraphicFramePr>
+          <p:cNvPr id="7" name="表格 7">
+            <a:extLst>
+              <a:ext uri="{FF2B5EF4-FFF2-40B4-BE49-F238E27FC236}">
+                <a16:creationId xmlns:a16="http://schemas.microsoft.com/office/drawing/2014/main" id="{96953B28-05A6-470C-BA7D-52206189EA94}"/>
+              </a:ext>
+            </a:extLst>
+          </p:cNvPr>
+          <p:cNvGraphicFramePr>
+            <a:graphicFrameLocks noGrp="1"/>
+          </p:cNvGraphicFramePr>
+          <p:nvPr>
+            <p:ph idx="1"/>
+            <p:extLst>
+              <p:ext uri="{D42A27DB-BD31-4B8C-83A1-F6EECF244321}">
+                <p14:modId xmlns:p14="http://schemas.microsoft.com/office/powerpoint/2010/main" val="2519236138"/>
+              </p:ext>
+            </p:extLst>
+          </p:nvPr>
+        </p:nvGraphicFramePr>
+        <p:xfrm>
+          <a:off x="1480008" y="2667000"/>
+          <a:ext cx="10102390" cy="2225040"/>
+        </p:xfrm>
+        <a:graphic>
+          <a:graphicData uri="http://schemas.openxmlformats.org/drawingml/2006/table">
+            <a:tbl>
+              <a:tblPr firstRow="1" bandRow="1">
+                <a:tableStyleId>{5C22544A-7EE6-4342-B048-85BDC9FD1C3A}</a:tableStyleId>
+              </a:tblPr>
+              <a:tblGrid>
+                <a:gridCol w="1885361">
+                  <a:extLst>
+                    <a:ext uri="{9D8B030D-6E8A-4147-A177-3AD203B41FA5}">
+                      <a16:colId xmlns:a16="http://schemas.microsoft.com/office/drawing/2014/main" val="1997413519"/>
+                    </a:ext>
+                  </a:extLst>
+                </a:gridCol>
+                <a:gridCol w="879379">
+                  <a:extLst>
+                    <a:ext uri="{9D8B030D-6E8A-4147-A177-3AD203B41FA5}">
+                      <a16:colId xmlns:a16="http://schemas.microsoft.com/office/drawing/2014/main" val="517450544"/>
+                    </a:ext>
+                  </a:extLst>
+                </a:gridCol>
+                <a:gridCol w="1467530">
+                  <a:extLst>
+                    <a:ext uri="{9D8B030D-6E8A-4147-A177-3AD203B41FA5}">
+                      <a16:colId xmlns:a16="http://schemas.microsoft.com/office/drawing/2014/main" val="3499507556"/>
+                    </a:ext>
+                  </a:extLst>
+                </a:gridCol>
+                <a:gridCol w="1467530">
+                  <a:extLst>
+                    <a:ext uri="{9D8B030D-6E8A-4147-A177-3AD203B41FA5}">
+                      <a16:colId xmlns:a16="http://schemas.microsoft.com/office/drawing/2014/main" val="1275244838"/>
+                    </a:ext>
+                  </a:extLst>
+                </a:gridCol>
+                <a:gridCol w="861256">
+                  <a:extLst>
+                    <a:ext uri="{9D8B030D-6E8A-4147-A177-3AD203B41FA5}">
+                      <a16:colId xmlns:a16="http://schemas.microsoft.com/office/drawing/2014/main" val="756553097"/>
+                    </a:ext>
+                  </a:extLst>
+                </a:gridCol>
+                <a:gridCol w="1197204">
+                  <a:extLst>
+                    <a:ext uri="{9D8B030D-6E8A-4147-A177-3AD203B41FA5}">
+                      <a16:colId xmlns:a16="http://schemas.microsoft.com/office/drawing/2014/main" val="2706363070"/>
+                    </a:ext>
+                  </a:extLst>
+                </a:gridCol>
+                <a:gridCol w="2344130">
+                  <a:extLst>
+                    <a:ext uri="{9D8B030D-6E8A-4147-A177-3AD203B41FA5}">
+                      <a16:colId xmlns:a16="http://schemas.microsoft.com/office/drawing/2014/main" val="3400004815"/>
+                    </a:ext>
+                  </a:extLst>
+                </a:gridCol>
+              </a:tblGrid>
+              <a:tr h="370840">
+                <a:tc>
+                  <a:txBody>
+                    <a:bodyPr/>
+                    <a:lstStyle/>
+                    <a:p>
+                      <a:pPr algn="ctr"/>
+                      <a:r>
+                        <a:rPr lang="zh-CN" altLang="en-US" dirty="0"/>
+                        <a:t>引脚编号</a:t>
+                      </a:r>
+                    </a:p>
+                  </a:txBody>
+                  <a:tcPr/>
+                </a:tc>
+                <a:tc>
+                  <a:txBody>
+                    <a:bodyPr/>
+                    <a:lstStyle/>
+                    <a:p>
+                      <a:pPr algn="ctr"/>
+                      <a:r>
+                        <a:rPr lang="en-US" altLang="zh-CN" dirty="0"/>
+                        <a:t>1</a:t>
+                      </a:r>
+                      <a:endParaRPr lang="zh-CN" altLang="en-US" dirty="0"/>
+                    </a:p>
+                  </a:txBody>
+                  <a:tcPr/>
+                </a:tc>
+                <a:tc>
+                  <a:txBody>
+                    <a:bodyPr/>
+                    <a:lstStyle/>
+                    <a:p>
+                      <a:pPr algn="ctr"/>
+                      <a:r>
+                        <a:rPr lang="en-US" altLang="zh-CN" dirty="0"/>
+                        <a:t>2</a:t>
+                      </a:r>
+                      <a:endParaRPr lang="zh-CN" altLang="en-US" dirty="0"/>
+                    </a:p>
+                  </a:txBody>
+                  <a:tcPr/>
+                </a:tc>
+                <a:tc>
+                  <a:txBody>
+                    <a:bodyPr/>
+                    <a:lstStyle/>
+                    <a:p>
+                      <a:pPr algn="ctr"/>
+                      <a:r>
+                        <a:rPr lang="en-US" altLang="zh-CN" dirty="0"/>
+                        <a:t>3</a:t>
+                      </a:r>
+                      <a:endParaRPr lang="zh-CN" altLang="en-US" dirty="0"/>
+                    </a:p>
+                  </a:txBody>
+                  <a:tcPr/>
+                </a:tc>
+                <a:tc>
+                  <a:txBody>
+                    <a:bodyPr/>
+                    <a:lstStyle/>
+                    <a:p>
+                      <a:pPr algn="ctr"/>
+                      <a:r>
+                        <a:rPr lang="en-US" altLang="zh-CN" dirty="0"/>
+                        <a:t>4</a:t>
+                      </a:r>
+                      <a:endParaRPr lang="zh-CN" altLang="en-US" dirty="0"/>
+                    </a:p>
+                  </a:txBody>
+                  <a:tcPr/>
+                </a:tc>
+                <a:tc>
+                  <a:txBody>
+                    <a:bodyPr/>
+                    <a:lstStyle/>
+                    <a:p>
+                      <a:pPr algn="ctr"/>
+                      <a:r>
+                        <a:rPr lang="en-US" altLang="zh-CN" dirty="0"/>
+                        <a:t>5</a:t>
+                      </a:r>
+                      <a:endParaRPr lang="zh-CN" altLang="en-US" dirty="0"/>
+                    </a:p>
+                  </a:txBody>
+                  <a:tcPr/>
+                </a:tc>
+                <a:tc>
+                  <a:txBody>
+                    <a:bodyPr/>
+                    <a:lstStyle/>
+                    <a:p>
+                      <a:pPr algn="ctr"/>
+                      <a:r>
+                        <a:rPr lang="en-US" altLang="zh-CN" dirty="0"/>
+                        <a:t>6</a:t>
+                      </a:r>
+                      <a:endParaRPr lang="zh-CN" altLang="en-US" dirty="0"/>
+                    </a:p>
+                  </a:txBody>
+                  <a:tcPr/>
+                </a:tc>
+                <a:extLst>
+                  <a:ext uri="{0D108BD9-81ED-4DB2-BD59-A6C34878D82A}">
+                    <a16:rowId xmlns:a16="http://schemas.microsoft.com/office/drawing/2014/main" val="2028632728"/>
+                  </a:ext>
+                </a:extLst>
+              </a:tr>
+              <a:tr h="370840">
+                <a:tc>
+                  <a:txBody>
+                    <a:bodyPr/>
+                    <a:lstStyle/>
+                    <a:p>
+                      <a:pPr algn="ctr"/>
+                      <a:r>
+                        <a:rPr lang="zh-CN" altLang="en-US" dirty="0"/>
+                        <a:t>数码管段编号</a:t>
+                      </a:r>
+                    </a:p>
+                  </a:txBody>
+                  <a:tcPr/>
+                </a:tc>
+                <a:tc>
+                  <a:txBody>
+                    <a:bodyPr/>
+                    <a:lstStyle/>
+                    <a:p>
+                      <a:pPr algn="ctr"/>
+                      <a:r>
+                        <a:rPr lang="en-US" altLang="zh-CN" dirty="0"/>
+                        <a:t>e</a:t>
+                      </a:r>
+                      <a:endParaRPr lang="zh-CN" altLang="en-US" dirty="0"/>
+                    </a:p>
+                  </a:txBody>
+                  <a:tcPr/>
+                </a:tc>
+                <a:tc>
+                  <a:txBody>
+                    <a:bodyPr/>
+                    <a:lstStyle/>
+                    <a:p>
+                      <a:pPr algn="ctr"/>
+                      <a:r>
+                        <a:rPr lang="en-US" altLang="zh-CN" dirty="0"/>
+                        <a:t>d</a:t>
+                      </a:r>
+                      <a:endParaRPr lang="zh-CN" altLang="en-US" dirty="0"/>
+                    </a:p>
+                  </a:txBody>
+                  <a:tcPr/>
+                </a:tc>
+                <a:tc>
+                  <a:txBody>
+                    <a:bodyPr/>
+                    <a:lstStyle/>
+                    <a:p>
+                      <a:pPr algn="ctr"/>
+                      <a:r>
+                        <a:rPr lang="en-US" altLang="zh-CN" dirty="0" err="1"/>
+                        <a:t>Dp</a:t>
+                      </a:r>
+                      <a:r>
+                        <a:rPr lang="zh-CN" altLang="en-US" dirty="0"/>
+                        <a:t>或</a:t>
+                      </a:r>
+                      <a:r>
+                        <a:rPr lang="en-US" altLang="zh-CN" dirty="0"/>
+                        <a:t>h</a:t>
+                      </a:r>
+                      <a:endParaRPr lang="zh-CN" altLang="en-US" dirty="0"/>
+                    </a:p>
+                  </a:txBody>
+                  <a:tcPr/>
+                </a:tc>
+                <a:tc>
+                  <a:txBody>
+                    <a:bodyPr/>
+                    <a:lstStyle/>
+                    <a:p>
+                      <a:pPr algn="ctr"/>
+                      <a:r>
+                        <a:rPr lang="en-US" altLang="zh-CN" dirty="0"/>
+                        <a:t>c</a:t>
+                      </a:r>
+                      <a:endParaRPr lang="zh-CN" altLang="en-US" dirty="0"/>
+                    </a:p>
+                  </a:txBody>
+                  <a:tcPr/>
+                </a:tc>
+                <a:tc>
+                  <a:txBody>
+                    <a:bodyPr/>
+                    <a:lstStyle/>
+                    <a:p>
+                      <a:pPr algn="ctr"/>
+                      <a:r>
+                        <a:rPr lang="en-US" altLang="zh-CN" dirty="0"/>
+                        <a:t>g</a:t>
+                      </a:r>
+                      <a:endParaRPr lang="zh-CN" altLang="en-US" dirty="0"/>
+                    </a:p>
+                  </a:txBody>
+                  <a:tcPr/>
+                </a:tc>
+                <a:tc>
+                  <a:txBody>
+                    <a:bodyPr/>
+                    <a:lstStyle/>
+                    <a:p>
+                      <a:pPr algn="ctr"/>
+                      <a:r>
+                        <a:rPr lang="zh-CN" altLang="en-US" dirty="0"/>
+                        <a:t>第四个</a:t>
+                      </a:r>
+                    </a:p>
+                  </a:txBody>
+                  <a:tcPr/>
+                </a:tc>
+                <a:extLst>
+                  <a:ext uri="{0D108BD9-81ED-4DB2-BD59-A6C34878D82A}">
+                    <a16:rowId xmlns:a16="http://schemas.microsoft.com/office/drawing/2014/main" val="3091359343"/>
+                  </a:ext>
+                </a:extLst>
+              </a:tr>
+              <a:tr h="370840">
+                <a:tc>
+                  <a:txBody>
+                    <a:bodyPr/>
+                    <a:lstStyle/>
+                    <a:p>
+                      <a:pPr algn="ctr"/>
+                      <a:r>
+                        <a:rPr lang="en-US" altLang="zh-CN" dirty="0"/>
+                        <a:t>Arduino</a:t>
+                      </a:r>
+                      <a:r>
+                        <a:rPr lang="zh-CN" altLang="en-US" dirty="0"/>
+                        <a:t>接口编号</a:t>
+                      </a:r>
+                    </a:p>
+                  </a:txBody>
+                  <a:tcPr/>
+                </a:tc>
+                <a:tc>
+                  <a:txBody>
+                    <a:bodyPr/>
+                    <a:lstStyle/>
+                    <a:p>
+                      <a:pPr algn="ctr"/>
+                      <a:r>
+                        <a:rPr lang="en-US" altLang="zh-CN" dirty="0"/>
+                        <a:t>5</a:t>
+                      </a:r>
+                      <a:endParaRPr lang="zh-CN" altLang="en-US" dirty="0"/>
+                    </a:p>
+                  </a:txBody>
+                  <a:tcPr/>
+                </a:tc>
+                <a:tc>
+                  <a:txBody>
+                    <a:bodyPr/>
+                    <a:lstStyle/>
+                    <a:p>
+                      <a:pPr algn="ctr"/>
+                      <a:r>
+                        <a:rPr lang="en-US" altLang="zh-CN" dirty="0"/>
+                        <a:t>4</a:t>
+                      </a:r>
+                      <a:endParaRPr lang="zh-CN" altLang="en-US" dirty="0"/>
+                    </a:p>
+                  </a:txBody>
+                  <a:tcPr/>
+                </a:tc>
+                <a:tc>
+                  <a:txBody>
+                    <a:bodyPr/>
+                    <a:lstStyle/>
+                    <a:p>
+                      <a:pPr algn="ctr"/>
+                      <a:r>
+                        <a:rPr lang="en-US" altLang="zh-CN" dirty="0"/>
+                        <a:t>8</a:t>
+                      </a:r>
+                      <a:endParaRPr lang="zh-CN" altLang="en-US" dirty="0"/>
+                    </a:p>
+                  </a:txBody>
+                  <a:tcPr/>
+                </a:tc>
+                <a:tc>
+                  <a:txBody>
+                    <a:bodyPr/>
+                    <a:lstStyle/>
+                    <a:p>
+                      <a:pPr algn="ctr"/>
+                      <a:r>
+                        <a:rPr lang="en-US" altLang="zh-CN" dirty="0"/>
+                        <a:t>3</a:t>
+                      </a:r>
+                      <a:endParaRPr lang="zh-CN" altLang="en-US" dirty="0"/>
+                    </a:p>
+                  </a:txBody>
+                  <a:tcPr/>
+                </a:tc>
+                <a:tc>
+                  <a:txBody>
+                    <a:bodyPr/>
+                    <a:lstStyle/>
+                    <a:p>
+                      <a:pPr algn="ctr"/>
+                      <a:r>
+                        <a:rPr lang="en-US" altLang="zh-CN" dirty="0"/>
+                        <a:t>7</a:t>
+                      </a:r>
+                      <a:endParaRPr lang="zh-CN" altLang="en-US" dirty="0"/>
+                    </a:p>
+                  </a:txBody>
+                  <a:tcPr/>
+                </a:tc>
+                <a:tc>
+                  <a:txBody>
+                    <a:bodyPr/>
+                    <a:lstStyle/>
+                    <a:p>
+                      <a:pPr algn="ctr"/>
+                      <a:r>
+                        <a:rPr lang="en-US" altLang="zh-CN" dirty="0"/>
+                        <a:t>12</a:t>
+                      </a:r>
+                      <a:endParaRPr lang="zh-CN" altLang="en-US" dirty="0"/>
+                    </a:p>
+                  </a:txBody>
+                  <a:tcPr/>
+                </a:tc>
+                <a:extLst>
+                  <a:ext uri="{0D108BD9-81ED-4DB2-BD59-A6C34878D82A}">
+                    <a16:rowId xmlns:a16="http://schemas.microsoft.com/office/drawing/2014/main" val="2846853192"/>
+                  </a:ext>
+                </a:extLst>
+              </a:tr>
+              <a:tr h="370840">
+                <a:tc>
+                  <a:txBody>
+                    <a:bodyPr/>
+                    <a:lstStyle/>
+                    <a:p>
+                      <a:pPr marL="0" marR="0" lvl="0" indent="0" algn="ctr" defTabSz="457200" rtl="0" eaLnBrk="1" fontAlgn="auto" latinLnBrk="0" hangingPunct="1">
+                        <a:lnSpc>
+                          <a:spcPct val="100000"/>
+                        </a:lnSpc>
+                        <a:spcBef>
+                          <a:spcPts val="0"/>
+                        </a:spcBef>
+                        <a:spcAft>
+                          <a:spcPts val="0"/>
+                        </a:spcAft>
+                        <a:buClrTx/>
+                        <a:buSzTx/>
+                        <a:buFontTx/>
+                        <a:buNone/>
+                        <a:tabLst/>
+                        <a:defRPr/>
+                      </a:pPr>
+                      <a:r>
+                        <a:rPr lang="zh-CN" altLang="en-US" dirty="0"/>
+                        <a:t>引脚编号</a:t>
+                      </a:r>
+                    </a:p>
+                  </a:txBody>
+                  <a:tcPr/>
+                </a:tc>
+                <a:tc>
+                  <a:txBody>
+                    <a:bodyPr/>
+                    <a:lstStyle/>
+                    <a:p>
+                      <a:pPr algn="ctr"/>
+                      <a:r>
+                        <a:rPr lang="en-US" altLang="zh-CN" dirty="0"/>
+                        <a:t>7</a:t>
+                      </a:r>
+                      <a:endParaRPr lang="zh-CN" altLang="en-US" dirty="0"/>
+                    </a:p>
+                  </a:txBody>
+                  <a:tcPr/>
+                </a:tc>
+                <a:tc>
+                  <a:txBody>
+                    <a:bodyPr/>
+                    <a:lstStyle/>
+                    <a:p>
+                      <a:pPr algn="ctr"/>
+                      <a:r>
+                        <a:rPr lang="en-US" altLang="zh-CN" dirty="0"/>
+                        <a:t>8</a:t>
+                      </a:r>
+                      <a:endParaRPr lang="zh-CN" altLang="en-US" dirty="0"/>
+                    </a:p>
+                  </a:txBody>
+                  <a:tcPr/>
+                </a:tc>
+                <a:tc>
+                  <a:txBody>
+                    <a:bodyPr/>
+                    <a:lstStyle/>
+                    <a:p>
+                      <a:pPr algn="ctr"/>
+                      <a:r>
+                        <a:rPr lang="en-US" altLang="zh-CN" dirty="0"/>
+                        <a:t>9</a:t>
+                      </a:r>
+                      <a:endParaRPr lang="zh-CN" altLang="en-US" dirty="0"/>
+                    </a:p>
+                  </a:txBody>
+                  <a:tcPr/>
+                </a:tc>
+                <a:tc>
+                  <a:txBody>
+                    <a:bodyPr/>
+                    <a:lstStyle/>
+                    <a:p>
+                      <a:pPr algn="ctr"/>
+                      <a:r>
+                        <a:rPr lang="en-US" altLang="zh-CN" dirty="0"/>
+                        <a:t>10</a:t>
+                      </a:r>
+                      <a:endParaRPr lang="zh-CN" altLang="en-US" dirty="0"/>
+                    </a:p>
+                  </a:txBody>
+                  <a:tcPr/>
+                </a:tc>
+                <a:tc>
+                  <a:txBody>
+                    <a:bodyPr/>
+                    <a:lstStyle/>
+                    <a:p>
+                      <a:pPr algn="ctr"/>
+                      <a:r>
+                        <a:rPr lang="en-US" altLang="zh-CN" dirty="0"/>
+                        <a:t>11</a:t>
+                      </a:r>
+                      <a:endParaRPr lang="zh-CN" altLang="en-US" dirty="0"/>
+                    </a:p>
+                  </a:txBody>
+                  <a:tcPr/>
+                </a:tc>
+                <a:tc>
+                  <a:txBody>
+                    <a:bodyPr/>
+                    <a:lstStyle/>
+                    <a:p>
+                      <a:pPr algn="ctr"/>
+                      <a:r>
+                        <a:rPr lang="en-US" altLang="zh-CN" dirty="0"/>
+                        <a:t>12</a:t>
+                      </a:r>
+                      <a:endParaRPr lang="zh-CN" altLang="en-US" dirty="0"/>
+                    </a:p>
+                  </a:txBody>
+                  <a:tcPr/>
+                </a:tc>
+                <a:extLst>
+                  <a:ext uri="{0D108BD9-81ED-4DB2-BD59-A6C34878D82A}">
+                    <a16:rowId xmlns:a16="http://schemas.microsoft.com/office/drawing/2014/main" val="4050218715"/>
+                  </a:ext>
+                </a:extLst>
+              </a:tr>
+              <a:tr h="370840">
+                <a:tc>
+                  <a:txBody>
+                    <a:bodyPr/>
+                    <a:lstStyle/>
+                    <a:p>
+                      <a:pPr marL="0" marR="0" lvl="0" indent="0" algn="ctr" defTabSz="457200" rtl="0" eaLnBrk="1" fontAlgn="auto" latinLnBrk="0" hangingPunct="1">
+                        <a:lnSpc>
+                          <a:spcPct val="100000"/>
+                        </a:lnSpc>
+                        <a:spcBef>
+                          <a:spcPts val="0"/>
+                        </a:spcBef>
+                        <a:spcAft>
+                          <a:spcPts val="0"/>
+                        </a:spcAft>
+                        <a:buClrTx/>
+                        <a:buSzTx/>
+                        <a:buFontTx/>
+                        <a:buNone/>
+                        <a:tabLst/>
+                        <a:defRPr/>
+                      </a:pPr>
+                      <a:r>
+                        <a:rPr lang="zh-CN" altLang="en-US" dirty="0"/>
+                        <a:t>数码管段编号</a:t>
+                      </a:r>
+                    </a:p>
+                  </a:txBody>
+                  <a:tcPr/>
+                </a:tc>
+                <a:tc>
+                  <a:txBody>
+                    <a:bodyPr/>
+                    <a:lstStyle/>
+                    <a:p>
+                      <a:pPr algn="ctr"/>
+                      <a:r>
+                        <a:rPr lang="en-US" altLang="zh-CN" dirty="0"/>
+                        <a:t>b</a:t>
+                      </a:r>
+                      <a:endParaRPr lang="zh-CN" altLang="en-US" dirty="0"/>
+                    </a:p>
+                  </a:txBody>
+                  <a:tcPr/>
+                </a:tc>
+                <a:tc>
+                  <a:txBody>
+                    <a:bodyPr/>
+                    <a:lstStyle/>
+                    <a:p>
+                      <a:pPr algn="ctr"/>
+                      <a:r>
+                        <a:rPr lang="zh-CN" altLang="en-US" dirty="0"/>
+                        <a:t>第三个</a:t>
+                      </a:r>
+                    </a:p>
+                  </a:txBody>
+                  <a:tcPr/>
+                </a:tc>
+                <a:tc>
+                  <a:txBody>
+                    <a:bodyPr/>
+                    <a:lstStyle/>
+                    <a:p>
+                      <a:pPr algn="ctr"/>
+                      <a:r>
+                        <a:rPr lang="zh-CN" altLang="en-US" dirty="0"/>
+                        <a:t>第二个</a:t>
+                      </a:r>
+                    </a:p>
+                  </a:txBody>
+                  <a:tcPr/>
+                </a:tc>
+                <a:tc>
+                  <a:txBody>
+                    <a:bodyPr/>
+                    <a:lstStyle/>
+                    <a:p>
+                      <a:pPr algn="ctr"/>
+                      <a:r>
+                        <a:rPr lang="en-US" altLang="zh-CN" dirty="0"/>
+                        <a:t>f</a:t>
+                      </a:r>
+                      <a:endParaRPr lang="zh-CN" altLang="en-US" dirty="0"/>
+                    </a:p>
+                  </a:txBody>
+                  <a:tcPr/>
+                </a:tc>
+                <a:tc>
+                  <a:txBody>
+                    <a:bodyPr/>
+                    <a:lstStyle/>
+                    <a:p>
+                      <a:pPr algn="ctr"/>
+                      <a:r>
+                        <a:rPr lang="en-US" altLang="zh-CN" dirty="0"/>
+                        <a:t>a</a:t>
+                      </a:r>
+                      <a:endParaRPr lang="zh-CN" altLang="en-US" dirty="0"/>
+                    </a:p>
+                  </a:txBody>
+                  <a:tcPr/>
+                </a:tc>
+                <a:tc>
+                  <a:txBody>
+                    <a:bodyPr/>
+                    <a:lstStyle/>
+                    <a:p>
+                      <a:pPr algn="ctr"/>
+                      <a:r>
+                        <a:rPr lang="zh-CN" altLang="en-US" dirty="0"/>
+                        <a:t>第一个</a:t>
+                      </a:r>
+                    </a:p>
+                  </a:txBody>
+                  <a:tcPr/>
+                </a:tc>
+                <a:extLst>
+                  <a:ext uri="{0D108BD9-81ED-4DB2-BD59-A6C34878D82A}">
+                    <a16:rowId xmlns:a16="http://schemas.microsoft.com/office/drawing/2014/main" val="2863407128"/>
+                  </a:ext>
+                </a:extLst>
+              </a:tr>
+              <a:tr h="370840">
+                <a:tc>
+                  <a:txBody>
+                    <a:bodyPr/>
+                    <a:lstStyle/>
+                    <a:p>
+                      <a:pPr marL="0" marR="0" lvl="0" indent="0" algn="ctr" defTabSz="457200" rtl="0" eaLnBrk="1" fontAlgn="auto" latinLnBrk="0" hangingPunct="1">
+                        <a:lnSpc>
+                          <a:spcPct val="100000"/>
+                        </a:lnSpc>
+                        <a:spcBef>
+                          <a:spcPts val="0"/>
+                        </a:spcBef>
+                        <a:spcAft>
+                          <a:spcPts val="0"/>
+                        </a:spcAft>
+                        <a:buClrTx/>
+                        <a:buSzTx/>
+                        <a:buFontTx/>
+                        <a:buNone/>
+                        <a:tabLst/>
+                        <a:defRPr/>
+                      </a:pPr>
+                      <a:r>
+                        <a:rPr lang="en-US" altLang="zh-CN" dirty="0"/>
+                        <a:t>Arduino</a:t>
+                      </a:r>
+                      <a:r>
+                        <a:rPr lang="zh-CN" altLang="en-US" dirty="0"/>
+                        <a:t>接口编号</a:t>
+                      </a:r>
+                    </a:p>
+                  </a:txBody>
+                  <a:tcPr/>
+                </a:tc>
+                <a:tc>
+                  <a:txBody>
+                    <a:bodyPr/>
+                    <a:lstStyle/>
+                    <a:p>
+                      <a:pPr algn="ctr"/>
+                      <a:r>
+                        <a:rPr lang="en-US" altLang="zh-CN" dirty="0"/>
+                        <a:t>2</a:t>
+                      </a:r>
+                      <a:endParaRPr lang="zh-CN" altLang="en-US" dirty="0"/>
+                    </a:p>
+                  </a:txBody>
+                  <a:tcPr/>
+                </a:tc>
+                <a:tc>
+                  <a:txBody>
+                    <a:bodyPr/>
+                    <a:lstStyle/>
+                    <a:p>
+                      <a:pPr algn="ctr"/>
+                      <a:r>
+                        <a:rPr lang="en-US" altLang="zh-CN" dirty="0"/>
+                        <a:t>11</a:t>
+                      </a:r>
+                      <a:endParaRPr lang="zh-CN" altLang="en-US" dirty="0"/>
+                    </a:p>
+                  </a:txBody>
+                  <a:tcPr/>
+                </a:tc>
+                <a:tc>
+                  <a:txBody>
+                    <a:bodyPr/>
+                    <a:lstStyle/>
+                    <a:p>
+                      <a:pPr algn="ctr"/>
+                      <a:r>
+                        <a:rPr lang="en-US" altLang="zh-CN" dirty="0"/>
+                        <a:t>10</a:t>
+                      </a:r>
+                      <a:endParaRPr lang="zh-CN" altLang="en-US" dirty="0"/>
+                    </a:p>
+                  </a:txBody>
+                  <a:tcPr/>
+                </a:tc>
+                <a:tc>
+                  <a:txBody>
+                    <a:bodyPr/>
+                    <a:lstStyle/>
+                    <a:p>
+                      <a:pPr algn="ctr"/>
+                      <a:r>
+                        <a:rPr lang="en-US" altLang="zh-CN" dirty="0"/>
+                        <a:t>6</a:t>
+                      </a:r>
+                      <a:endParaRPr lang="zh-CN" altLang="en-US" dirty="0"/>
+                    </a:p>
+                  </a:txBody>
+                  <a:tcPr/>
+                </a:tc>
+                <a:tc>
+                  <a:txBody>
+                    <a:bodyPr/>
+                    <a:lstStyle/>
+                    <a:p>
+                      <a:pPr algn="ctr"/>
+                      <a:r>
+                        <a:rPr lang="en-US" altLang="zh-CN" dirty="0"/>
+                        <a:t>1</a:t>
+                      </a:r>
+                      <a:endParaRPr lang="zh-CN" altLang="en-US" dirty="0"/>
+                    </a:p>
+                  </a:txBody>
+                  <a:tcPr/>
+                </a:tc>
+                <a:tc>
+                  <a:txBody>
+                    <a:bodyPr/>
+                    <a:lstStyle/>
+                    <a:p>
+                      <a:pPr algn="ctr"/>
+                      <a:r>
+                        <a:rPr lang="en-US" altLang="zh-CN" dirty="0"/>
+                        <a:t>9</a:t>
+                      </a:r>
+                      <a:endParaRPr lang="zh-CN" altLang="en-US" dirty="0"/>
+                    </a:p>
+                  </a:txBody>
+                  <a:tcPr/>
+                </a:tc>
+                <a:extLst>
+                  <a:ext uri="{0D108BD9-81ED-4DB2-BD59-A6C34878D82A}">
+                    <a16:rowId xmlns:a16="http://schemas.microsoft.com/office/drawing/2014/main" val="1529109697"/>
+                  </a:ext>
+                </a:extLst>
+              </a:tr>
+            </a:tbl>
+          </a:graphicData>
+        </a:graphic>
+      </p:graphicFrame>
+    </p:spTree>
+    <p:extLst>
+      <p:ext uri="{BB962C8B-B14F-4D97-AF65-F5344CB8AC3E}">
+        <p14:creationId xmlns:p14="http://schemas.microsoft.com/office/powerpoint/2010/main" val="2873016149"/>
+      </p:ext>
+    </p:extLst>
+  </p:cSld>
+  <p:clrMapOvr>
+    <a:masterClrMapping/>
+  </p:clrMapOvr>
+  <mc:AlternateContent xmlns:mc="http://schemas.openxmlformats.org/markup-compatibility/2006" xmlns:p14="http://schemas.microsoft.com/office/powerpoint/2010/main">
+    <mc:Choice Requires="p14">
+      <p:transition spd="slow" p14:dur="1250">
+        <p:push dir="u"/>
+      </p:transition>
+    </mc:Choice>
+    <mc:Fallback xmlns="">
+      <p:transition spd="slow">
+        <p:push dir="u"/>
+      </p:transition>
+    </mc:Fallback>
+  </mc:AlternateContent>
+</p:sld>
+</file>
+
+<file path=ppt/slides/slide16.xml><?xml version="1.0" encoding="utf-8"?>
 <p:sld xmlns:a="http://schemas.openxmlformats.org/drawingml/2006/main" xmlns:r="http://schemas.openxmlformats.org/officeDocument/2006/relationships" xmlns:p="http://schemas.openxmlformats.org/presentationml/2006/main">
   <p:cSld>
     <p:spTree>
@@ -7684,7 +8579,7 @@
 </p:sld>
 </file>
 
-<file path=ppt/slides/slide16.xml><?xml version="1.0" encoding="utf-8"?>
+<file path=ppt/slides/slide17.xml><?xml version="1.0" encoding="utf-8"?>
 <p:sld xmlns:a="http://schemas.openxmlformats.org/drawingml/2006/main" xmlns:r="http://schemas.openxmlformats.org/officeDocument/2006/relationships" xmlns:p="http://schemas.openxmlformats.org/presentationml/2006/main">
   <p:cSld>
     <p:spTree>
@@ -7978,7 +8873,7 @@
 </p:sld>
 </file>
 
-<file path=ppt/slides/slide17.xml><?xml version="1.0" encoding="utf-8"?>
+<file path=ppt/slides/slide18.xml><?xml version="1.0" encoding="utf-8"?>
 <p:sld xmlns:a="http://schemas.openxmlformats.org/drawingml/2006/main" xmlns:r="http://schemas.openxmlformats.org/officeDocument/2006/relationships" xmlns:p="http://schemas.openxmlformats.org/presentationml/2006/main">
   <p:cSld>
     <p:spTree>
@@ -8089,469 +8984,6 @@
 </p:sld>
 </file>
 
-<file path=ppt/slides/slide18.xml><?xml version="1.0" encoding="utf-8"?>
-<p:sld xmlns:a="http://schemas.openxmlformats.org/drawingml/2006/main" xmlns:r="http://schemas.openxmlformats.org/officeDocument/2006/relationships" xmlns:p="http://schemas.openxmlformats.org/presentationml/2006/main">
-  <p:cSld>
-    <p:spTree>
-      <p:nvGrpSpPr>
-        <p:cNvPr id="1" name=""/>
-        <p:cNvGrpSpPr/>
-        <p:nvPr/>
-      </p:nvGrpSpPr>
-      <p:grpSpPr>
-        <a:xfrm>
-          <a:off x="0" y="0"/>
-          <a:ext cx="0" cy="0"/>
-          <a:chOff x="0" y="0"/>
-          <a:chExt cx="0" cy="0"/>
-        </a:xfrm>
-      </p:grpSpPr>
-      <p:sp>
-        <p:nvSpPr>
-          <p:cNvPr id="2" name="标题 1">
-            <a:extLst>
-              <a:ext uri="{FF2B5EF4-FFF2-40B4-BE49-F238E27FC236}">
-                <a16:creationId xmlns:a16="http://schemas.microsoft.com/office/drawing/2014/main" id="{E46A3BB1-1213-46C2-923A-881ABCD98822}"/>
-              </a:ext>
-            </a:extLst>
-          </p:cNvPr>
-          <p:cNvSpPr>
-            <a:spLocks noGrp="1"/>
-          </p:cNvSpPr>
-          <p:nvPr>
-            <p:ph type="title"/>
-          </p:nvPr>
-        </p:nvSpPr>
-        <p:spPr/>
-        <p:txBody>
-          <a:bodyPr/>
-          <a:lstStyle/>
-          <a:p>
-            <a:pPr algn="ctr"/>
-            <a:r>
-              <a:rPr lang="en-US" altLang="zh-CN" dirty="0" err="1"/>
-              <a:t>LiquidCrystal</a:t>
-            </a:r>
-            <a:r>
-              <a:rPr lang="zh-CN" altLang="en-US" dirty="0"/>
-              <a:t>库</a:t>
-            </a:r>
-          </a:p>
-        </p:txBody>
-      </p:sp>
-      <p:sp>
-        <p:nvSpPr>
-          <p:cNvPr id="3" name="内容占位符 2">
-            <a:extLst>
-              <a:ext uri="{FF2B5EF4-FFF2-40B4-BE49-F238E27FC236}">
-                <a16:creationId xmlns:a16="http://schemas.microsoft.com/office/drawing/2014/main" id="{A5533A66-656C-49CA-B5A1-006F8EA4D252}"/>
-              </a:ext>
-            </a:extLst>
-          </p:cNvPr>
-          <p:cNvSpPr>
-            <a:spLocks noGrp="1"/>
-          </p:cNvSpPr>
-          <p:nvPr>
-            <p:ph idx="1"/>
-          </p:nvPr>
-        </p:nvSpPr>
-        <p:spPr/>
-        <p:txBody>
-          <a:bodyPr>
-            <a:normAutofit fontScale="55000" lnSpcReduction="20000"/>
-          </a:bodyPr>
-          <a:lstStyle/>
-          <a:p>
-            <a:r>
-              <a:rPr lang="zh-CN" altLang="en-US" dirty="0"/>
-              <a:t>构造函数，创建一个</a:t>
-            </a:r>
-            <a:r>
-              <a:rPr lang="en-US" altLang="zh-CN" dirty="0" err="1"/>
-              <a:t>LiquidCrystal</a:t>
-            </a:r>
-            <a:r>
-              <a:rPr lang="zh-CN" altLang="en-US" dirty="0"/>
-              <a:t>的实例（</a:t>
-            </a:r>
-            <a:r>
-              <a:rPr lang="en-US" altLang="zh-CN" dirty="0" err="1"/>
-              <a:t>LiquidCrystal</a:t>
-            </a:r>
-            <a:r>
-              <a:rPr lang="zh-CN" altLang="en-US" dirty="0"/>
-              <a:t>是一个类）。可使用</a:t>
-            </a:r>
-            <a:r>
-              <a:rPr lang="en-US" altLang="zh-CN" dirty="0"/>
-              <a:t>4</a:t>
-            </a:r>
-            <a:r>
-              <a:rPr lang="zh-CN" altLang="en-US" dirty="0"/>
-              <a:t>线或</a:t>
-            </a:r>
-            <a:r>
-              <a:rPr lang="en-US" altLang="zh-CN" dirty="0"/>
-              <a:t>8</a:t>
-            </a:r>
-            <a:r>
-              <a:rPr lang="zh-CN" altLang="en-US" dirty="0"/>
-              <a:t>线方式作为数据线</a:t>
-            </a:r>
-            <a:r>
-              <a:rPr lang="en-US" altLang="zh-CN" dirty="0"/>
-              <a:t>(</a:t>
-            </a:r>
-            <a:r>
-              <a:rPr lang="zh-CN" altLang="en-US" dirty="0"/>
-              <a:t>请注意</a:t>
-            </a:r>
-            <a:r>
-              <a:rPr lang="en-US" altLang="zh-CN" dirty="0"/>
-              <a:t>,</a:t>
-            </a:r>
-            <a:r>
-              <a:rPr lang="zh-CN" altLang="en-US" dirty="0"/>
-              <a:t>还需要指令线</a:t>
-            </a:r>
-            <a:r>
-              <a:rPr lang="en-US" altLang="zh-CN" dirty="0"/>
-              <a:t>)</a:t>
-            </a:r>
-            <a:r>
-              <a:rPr lang="zh-CN" altLang="en-US" dirty="0"/>
-              <a:t>。若采用四线方式</a:t>
-            </a:r>
-            <a:r>
-              <a:rPr lang="en-US" altLang="zh-CN" dirty="0"/>
-              <a:t>,</a:t>
-            </a:r>
-            <a:r>
-              <a:rPr lang="zh-CN" altLang="en-US" dirty="0"/>
-              <a:t>将</a:t>
-            </a:r>
-            <a:r>
-              <a:rPr lang="en-US" altLang="zh-CN" dirty="0"/>
-              <a:t>d0-d3</a:t>
-            </a:r>
-            <a:r>
-              <a:rPr lang="zh-CN" altLang="en-US" dirty="0"/>
-              <a:t>悬空不连接。</a:t>
-            </a:r>
-            <a:r>
-              <a:rPr lang="en-US" altLang="zh-CN" dirty="0"/>
-              <a:t>RW</a:t>
-            </a:r>
-            <a:r>
-              <a:rPr lang="zh-CN" altLang="en-US" dirty="0"/>
-              <a:t>引脚可接地而不用接在</a:t>
-            </a:r>
-            <a:r>
-              <a:rPr lang="en-US" altLang="zh-CN" dirty="0"/>
-              <a:t>Arduino</a:t>
-            </a:r>
-            <a:r>
-              <a:rPr lang="zh-CN" altLang="en-US" dirty="0"/>
-              <a:t>的某个引脚上</a:t>
-            </a:r>
-            <a:r>
-              <a:rPr lang="en-US" altLang="zh-CN" dirty="0"/>
-              <a:t>;</a:t>
-            </a:r>
-            <a:r>
-              <a:rPr lang="zh-CN" altLang="en-US" dirty="0"/>
-              <a:t>如果这样接</a:t>
-            </a:r>
-            <a:r>
-              <a:rPr lang="en-US" altLang="zh-CN" dirty="0"/>
-              <a:t>,</a:t>
-            </a:r>
-            <a:r>
-              <a:rPr lang="zh-CN" altLang="en-US" dirty="0"/>
-              <a:t>省略在函数中的</a:t>
-            </a:r>
-            <a:r>
-              <a:rPr lang="en-US" altLang="zh-CN" dirty="0" err="1"/>
-              <a:t>rw</a:t>
-            </a:r>
-            <a:r>
-              <a:rPr lang="zh-CN" altLang="en-US" dirty="0"/>
-              <a:t>参数。</a:t>
-            </a:r>
-            <a:endParaRPr lang="en-US" altLang="zh-CN" dirty="0"/>
-          </a:p>
-          <a:p>
-            <a:r>
-              <a:rPr lang="zh-CN" altLang="zh-CN" b="1" dirty="0"/>
-              <a:t>语法：</a:t>
-            </a:r>
-          </a:p>
-          <a:p>
-            <a:pPr marL="914400" lvl="1" indent="-457200">
-              <a:buFont typeface="+mj-lt"/>
-              <a:buAutoNum type="arabicPeriod"/>
-            </a:pPr>
-            <a:r>
-              <a:rPr lang="en-US" altLang="zh-CN" dirty="0" err="1"/>
-              <a:t>LiquidCrystal</a:t>
-            </a:r>
-            <a:r>
-              <a:rPr lang="en-US" altLang="zh-CN" dirty="0"/>
-              <a:t>  </a:t>
-            </a:r>
-            <a:r>
-              <a:rPr lang="en-US" altLang="zh-CN" dirty="0" err="1"/>
-              <a:t>lcd</a:t>
-            </a:r>
-            <a:r>
-              <a:rPr lang="en-US" altLang="zh-CN" dirty="0"/>
-              <a:t>(</a:t>
-            </a:r>
-            <a:r>
-              <a:rPr lang="en-US" altLang="zh-CN" dirty="0" err="1"/>
-              <a:t>rs</a:t>
-            </a:r>
-            <a:r>
-              <a:rPr lang="en-US" altLang="zh-CN" dirty="0"/>
-              <a:t>, enable, d4, d5, d6, d7) </a:t>
-            </a:r>
-          </a:p>
-          <a:p>
-            <a:pPr marL="914400" lvl="1" indent="-457200">
-              <a:buFont typeface="+mj-lt"/>
-              <a:buAutoNum type="arabicPeriod"/>
-            </a:pPr>
-            <a:r>
-              <a:rPr lang="en-US" altLang="zh-CN" dirty="0" err="1"/>
-              <a:t>LiquidCrystal</a:t>
-            </a:r>
-            <a:r>
-              <a:rPr lang="en-US" altLang="zh-CN" dirty="0"/>
-              <a:t>  </a:t>
-            </a:r>
-            <a:r>
-              <a:rPr lang="en-US" altLang="zh-CN" dirty="0" err="1"/>
-              <a:t>lcd</a:t>
-            </a:r>
-            <a:r>
-              <a:rPr lang="en-US" altLang="zh-CN" dirty="0"/>
-              <a:t>(</a:t>
-            </a:r>
-            <a:r>
-              <a:rPr lang="en-US" altLang="zh-CN" dirty="0" err="1"/>
-              <a:t>rs</a:t>
-            </a:r>
-            <a:r>
-              <a:rPr lang="en-US" altLang="zh-CN" dirty="0"/>
-              <a:t>, </a:t>
-            </a:r>
-            <a:r>
-              <a:rPr lang="en-US" altLang="zh-CN" dirty="0" err="1"/>
-              <a:t>rw</a:t>
-            </a:r>
-            <a:r>
-              <a:rPr lang="en-US" altLang="zh-CN" dirty="0"/>
-              <a:t>, enable, d4, d5, d6, d7) </a:t>
-            </a:r>
-          </a:p>
-          <a:p>
-            <a:pPr marL="914400" lvl="1" indent="-457200">
-              <a:buFont typeface="+mj-lt"/>
-              <a:buAutoNum type="arabicPeriod"/>
-            </a:pPr>
-            <a:r>
-              <a:rPr lang="en-US" altLang="zh-CN" dirty="0" err="1"/>
-              <a:t>LiquidCrystal</a:t>
-            </a:r>
-            <a:r>
-              <a:rPr lang="en-US" altLang="zh-CN" dirty="0"/>
-              <a:t>  </a:t>
-            </a:r>
-            <a:r>
-              <a:rPr lang="en-US" altLang="zh-CN" dirty="0" err="1"/>
-              <a:t>lcd</a:t>
-            </a:r>
-            <a:r>
-              <a:rPr lang="en-US" altLang="zh-CN" dirty="0"/>
-              <a:t>(</a:t>
-            </a:r>
-            <a:r>
-              <a:rPr lang="en-US" altLang="zh-CN" dirty="0" err="1"/>
-              <a:t>rs</a:t>
-            </a:r>
-            <a:r>
-              <a:rPr lang="en-US" altLang="zh-CN" dirty="0"/>
-              <a:t>, enable, d0, d1, d2, d3, d4, d5, d6, d7) </a:t>
-            </a:r>
-          </a:p>
-          <a:p>
-            <a:pPr marL="914400" lvl="1" indent="-457200">
-              <a:buFont typeface="+mj-lt"/>
-              <a:buAutoNum type="arabicPeriod"/>
-            </a:pPr>
-            <a:r>
-              <a:rPr lang="en-US" altLang="zh-CN" dirty="0" err="1"/>
-              <a:t>LiquidCrystal</a:t>
-            </a:r>
-            <a:r>
-              <a:rPr lang="en-US" altLang="zh-CN" dirty="0"/>
-              <a:t>  lcd(</a:t>
-            </a:r>
-            <a:r>
-              <a:rPr lang="en-US" altLang="zh-CN" dirty="0" err="1"/>
-              <a:t>rs</a:t>
-            </a:r>
-            <a:r>
-              <a:rPr lang="en-US" altLang="zh-CN" dirty="0"/>
-              <a:t>, </a:t>
-            </a:r>
-            <a:r>
-              <a:rPr lang="en-US" altLang="zh-CN" dirty="0" err="1"/>
-              <a:t>rw</a:t>
-            </a:r>
-            <a:r>
-              <a:rPr lang="en-US" altLang="zh-CN" dirty="0"/>
-              <a:t>, enable, d0, d1, d2, d3, d4, d5, d6, d7)</a:t>
-            </a:r>
-            <a:endParaRPr lang="zh-CN" altLang="zh-CN" dirty="0"/>
-          </a:p>
-          <a:p>
-            <a:r>
-              <a:rPr lang="zh-CN" altLang="zh-CN" b="1" dirty="0"/>
-              <a:t>参数设置：</a:t>
-            </a:r>
-          </a:p>
-          <a:p>
-            <a:pPr lvl="1"/>
-            <a:r>
-              <a:rPr lang="en-US" altLang="zh-CN" dirty="0" err="1"/>
-              <a:t>rs</a:t>
-            </a:r>
-            <a:r>
-              <a:rPr lang="en-US" altLang="zh-CN" dirty="0"/>
-              <a:t>:   </a:t>
-            </a:r>
-            <a:r>
-              <a:rPr lang="en-US" altLang="zh-CN" dirty="0" err="1"/>
-              <a:t>rs</a:t>
-            </a:r>
-            <a:r>
-              <a:rPr lang="zh-CN" altLang="zh-CN" dirty="0"/>
-              <a:t>连接的</a:t>
-            </a:r>
-            <a:r>
-              <a:rPr lang="en-US" altLang="zh-CN" dirty="0"/>
-              <a:t>Arduino</a:t>
-            </a:r>
-            <a:r>
-              <a:rPr lang="zh-CN" altLang="zh-CN" dirty="0"/>
-              <a:t>的引脚编号</a:t>
-            </a:r>
-            <a:r>
-              <a:rPr lang="en-US" altLang="zh-CN" dirty="0"/>
-              <a:t> </a:t>
-            </a:r>
-          </a:p>
-          <a:p>
-            <a:pPr lvl="1"/>
-            <a:r>
-              <a:rPr lang="en-US" altLang="zh-CN" dirty="0" err="1"/>
-              <a:t>rw</a:t>
-            </a:r>
-            <a:r>
-              <a:rPr lang="en-US" altLang="zh-CN" dirty="0"/>
-              <a:t>:  </a:t>
-            </a:r>
-            <a:r>
-              <a:rPr lang="en-US" altLang="zh-CN" dirty="0" err="1"/>
-              <a:t>rw</a:t>
-            </a:r>
-            <a:r>
-              <a:rPr lang="zh-CN" altLang="zh-CN" dirty="0"/>
-              <a:t>连接的</a:t>
-            </a:r>
-            <a:r>
-              <a:rPr lang="en-US" altLang="zh-CN" dirty="0"/>
-              <a:t>Arduino</a:t>
-            </a:r>
-            <a:r>
-              <a:rPr lang="zh-CN" altLang="zh-CN" dirty="0"/>
-              <a:t>的引脚编号</a:t>
-            </a:r>
-            <a:r>
-              <a:rPr lang="en-US" altLang="zh-CN" dirty="0"/>
-              <a:t> </a:t>
-            </a:r>
-          </a:p>
-          <a:p>
-            <a:pPr lvl="1"/>
-            <a:r>
-              <a:rPr lang="en-US" altLang="zh-CN" dirty="0"/>
-              <a:t>enable: enable</a:t>
-            </a:r>
-            <a:r>
-              <a:rPr lang="zh-CN" altLang="zh-CN" dirty="0"/>
-              <a:t>连接的</a:t>
-            </a:r>
-            <a:r>
-              <a:rPr lang="en-US" altLang="zh-CN" dirty="0"/>
-              <a:t>Arduino</a:t>
-            </a:r>
-            <a:r>
-              <a:rPr lang="zh-CN" altLang="zh-CN" dirty="0"/>
-              <a:t>的引脚编号</a:t>
-            </a:r>
-            <a:r>
-              <a:rPr lang="en-US" altLang="zh-CN" dirty="0"/>
-              <a:t> </a:t>
-            </a:r>
-          </a:p>
-          <a:p>
-            <a:pPr lvl="1"/>
-            <a:r>
-              <a:rPr lang="en-US" altLang="zh-CN" dirty="0"/>
-              <a:t>d0, d1, d2, d3, d4, d5, d6, d7:  </a:t>
-            </a:r>
-            <a:r>
-              <a:rPr lang="zh-CN" altLang="zh-CN" dirty="0"/>
-              <a:t>连接的</a:t>
-            </a:r>
-            <a:r>
-              <a:rPr lang="en-US" altLang="zh-CN" dirty="0"/>
-              <a:t>Arduino</a:t>
-            </a:r>
-            <a:r>
-              <a:rPr lang="zh-CN" altLang="zh-CN" dirty="0"/>
-              <a:t>的引脚编号</a:t>
-            </a:r>
-          </a:p>
-        </p:txBody>
-      </p:sp>
-    </p:spTree>
-    <p:extLst>
-      <p:ext uri="{BB962C8B-B14F-4D97-AF65-F5344CB8AC3E}">
-        <p14:creationId xmlns:p14="http://schemas.microsoft.com/office/powerpoint/2010/main" val="767624569"/>
-      </p:ext>
-    </p:extLst>
-  </p:cSld>
-  <p:clrMapOvr>
-    <a:masterClrMapping/>
-  </p:clrMapOvr>
-  <mc:AlternateContent xmlns:mc="http://schemas.openxmlformats.org/markup-compatibility/2006" xmlns:p14="http://schemas.microsoft.com/office/powerpoint/2010/main">
-    <mc:Choice Requires="p14">
-      <p:transition spd="slow" p14:dur="1250">
-        <p:push dir="u"/>
-      </p:transition>
-    </mc:Choice>
-    <mc:Fallback xmlns="">
-      <p:transition spd="slow">
-        <p:push dir="u"/>
-      </p:transition>
-    </mc:Fallback>
-  </mc:AlternateContent>
-</p:sld>
-</file>
-
 <file path=ppt/slides/slide19.xml><?xml version="1.0" encoding="utf-8"?>
 <p:sld xmlns:a="http://schemas.openxmlformats.org/drawingml/2006/main" xmlns:r="http://schemas.openxmlformats.org/officeDocument/2006/relationships" xmlns:p="http://schemas.openxmlformats.org/presentationml/2006/main">
   <p:cSld>
@@ -8574,7 +9006,7 @@
           <p:cNvPr id="2" name="标题 1">
             <a:extLst>
               <a:ext uri="{FF2B5EF4-FFF2-40B4-BE49-F238E27FC236}">
-                <a16:creationId xmlns:a16="http://schemas.microsoft.com/office/drawing/2014/main" id="{0725C7E4-4260-4334-8DBD-9DBA10FC8495}"/>
+                <a16:creationId xmlns:a16="http://schemas.microsoft.com/office/drawing/2014/main" id="{E46A3BB1-1213-46C2-923A-881ABCD98822}"/>
               </a:ext>
             </a:extLst>
           </p:cNvPr>
@@ -8597,7 +9029,7 @@
             </a:r>
             <a:r>
               <a:rPr lang="zh-CN" altLang="en-US" dirty="0"/>
-              <a:t>库（续）</a:t>
+              <a:t>库</a:t>
             </a:r>
           </a:p>
         </p:txBody>
@@ -8607,7 +9039,7 @@
           <p:cNvPr id="3" name="内容占位符 2">
             <a:extLst>
               <a:ext uri="{FF2B5EF4-FFF2-40B4-BE49-F238E27FC236}">
-                <a16:creationId xmlns:a16="http://schemas.microsoft.com/office/drawing/2014/main" id="{E81BE9CA-7A52-4252-B131-01A1A38D94F2}"/>
+                <a16:creationId xmlns:a16="http://schemas.microsoft.com/office/drawing/2014/main" id="{A5533A66-656C-49CA-B5A1-006F8EA4D252}"/>
               </a:ext>
             </a:extLst>
           </p:cNvPr>
@@ -8621,43 +9053,294 @@
         <p:spPr/>
         <p:txBody>
           <a:bodyPr>
-            <a:normAutofit fontScale="85000" lnSpcReduction="20000"/>
+            <a:normAutofit fontScale="55000" lnSpcReduction="20000"/>
           </a:bodyPr>
           <a:lstStyle/>
           <a:p>
             <a:r>
+              <a:rPr lang="zh-CN" altLang="en-US" dirty="0"/>
+              <a:t>构造函数，创建一个</a:t>
+            </a:r>
+            <a:r>
               <a:rPr lang="en-US" altLang="zh-CN" dirty="0" err="1"/>
-              <a:t>lcd.begin</a:t>
-            </a:r>
-            <a:r>
-              <a:rPr lang="en-US" altLang="zh-CN" dirty="0"/>
-              <a:t>(cols, rows)   </a:t>
-            </a:r>
-          </a:p>
-          <a:p>
-            <a:pPr lvl="1"/>
-            <a:r>
-              <a:rPr lang="en-US" altLang="zh-CN" dirty="0"/>
-              <a:t>begin ()</a:t>
-            </a:r>
-            <a:r>
-              <a:rPr lang="zh-CN" altLang="zh-CN" dirty="0"/>
-              <a:t>指定显示屏的尺寸（宽和高）</a:t>
-            </a:r>
-          </a:p>
-          <a:p>
-            <a:pPr lvl="1"/>
+              <a:t>LiquidCrystal</a:t>
+            </a:r>
+            <a:r>
+              <a:rPr lang="zh-CN" altLang="en-US" dirty="0"/>
+              <a:t>的实例（</a:t>
+            </a:r>
+            <a:r>
+              <a:rPr lang="en-US" altLang="zh-CN" dirty="0" err="1"/>
+              <a:t>LiquidCrystal</a:t>
+            </a:r>
+            <a:r>
+              <a:rPr lang="zh-CN" altLang="en-US" dirty="0"/>
+              <a:t>是一个类）。可使用</a:t>
+            </a:r>
+            <a:r>
+              <a:rPr lang="en-US" altLang="zh-CN" dirty="0"/>
+              <a:t>4</a:t>
+            </a:r>
+            <a:r>
+              <a:rPr lang="zh-CN" altLang="en-US" dirty="0"/>
+              <a:t>线或</a:t>
+            </a:r>
+            <a:r>
+              <a:rPr lang="en-US" altLang="zh-CN" dirty="0"/>
+              <a:t>8</a:t>
+            </a:r>
+            <a:r>
+              <a:rPr lang="zh-CN" altLang="en-US" dirty="0"/>
+              <a:t>线方式作为数据线</a:t>
+            </a:r>
+            <a:r>
+              <a:rPr lang="en-US" altLang="zh-CN" dirty="0"/>
+              <a:t>(</a:t>
+            </a:r>
+            <a:r>
+              <a:rPr lang="zh-CN" altLang="en-US" dirty="0"/>
+              <a:t>请注意</a:t>
+            </a:r>
+            <a:r>
+              <a:rPr lang="en-US" altLang="zh-CN" dirty="0"/>
+              <a:t>,</a:t>
+            </a:r>
+            <a:r>
+              <a:rPr lang="zh-CN" altLang="en-US" dirty="0"/>
+              <a:t>还需要指令线</a:t>
+            </a:r>
+            <a:r>
+              <a:rPr lang="en-US" altLang="zh-CN" dirty="0"/>
+              <a:t>)</a:t>
+            </a:r>
+            <a:r>
+              <a:rPr lang="zh-CN" altLang="en-US" dirty="0"/>
+              <a:t>。若采用四线方式</a:t>
+            </a:r>
+            <a:r>
+              <a:rPr lang="en-US" altLang="zh-CN" dirty="0"/>
+              <a:t>,</a:t>
+            </a:r>
+            <a:r>
+              <a:rPr lang="zh-CN" altLang="en-US" dirty="0"/>
+              <a:t>将</a:t>
+            </a:r>
+            <a:r>
+              <a:rPr lang="en-US" altLang="zh-CN" dirty="0"/>
+              <a:t>d0-d3</a:t>
+            </a:r>
+            <a:r>
+              <a:rPr lang="zh-CN" altLang="en-US" dirty="0"/>
+              <a:t>悬空不连接。</a:t>
+            </a:r>
+            <a:r>
+              <a:rPr lang="en-US" altLang="zh-CN" dirty="0"/>
+              <a:t>RW</a:t>
+            </a:r>
+            <a:r>
+              <a:rPr lang="zh-CN" altLang="en-US" dirty="0"/>
+              <a:t>引脚可接地而不用接在</a:t>
+            </a:r>
+            <a:r>
+              <a:rPr lang="en-US" altLang="zh-CN" dirty="0"/>
+              <a:t>Arduino</a:t>
+            </a:r>
+            <a:r>
+              <a:rPr lang="zh-CN" altLang="en-US" dirty="0"/>
+              <a:t>的某个引脚上</a:t>
+            </a:r>
+            <a:r>
+              <a:rPr lang="en-US" altLang="zh-CN" dirty="0"/>
+              <a:t>;</a:t>
+            </a:r>
+            <a:r>
+              <a:rPr lang="zh-CN" altLang="en-US" dirty="0"/>
+              <a:t>如果这样接</a:t>
+            </a:r>
+            <a:r>
+              <a:rPr lang="en-US" altLang="zh-CN" dirty="0"/>
+              <a:t>,</a:t>
+            </a:r>
+            <a:r>
+              <a:rPr lang="zh-CN" altLang="en-US" dirty="0"/>
+              <a:t>省略在函数中的</a:t>
+            </a:r>
+            <a:r>
+              <a:rPr lang="en-US" altLang="zh-CN" dirty="0" err="1"/>
+              <a:t>rw</a:t>
+            </a:r>
+            <a:r>
+              <a:rPr lang="zh-CN" altLang="en-US" dirty="0"/>
+              <a:t>参数。</a:t>
+            </a:r>
+            <a:endParaRPr lang="en-US" altLang="zh-CN" dirty="0"/>
+          </a:p>
+          <a:p>
+            <a:r>
+              <a:rPr lang="zh-CN" altLang="zh-CN" b="1" dirty="0"/>
+              <a:t>语法：</a:t>
+            </a:r>
+          </a:p>
+          <a:p>
+            <a:pPr marL="914400" lvl="1" indent="-457200">
+              <a:buFont typeface="+mj-lt"/>
+              <a:buAutoNum type="arabicPeriod"/>
+            </a:pPr>
+            <a:r>
+              <a:rPr lang="en-US" altLang="zh-CN" dirty="0" err="1"/>
+              <a:t>LiquidCrystal</a:t>
+            </a:r>
+            <a:r>
+              <a:rPr lang="en-US" altLang="zh-CN" dirty="0"/>
+              <a:t>  </a:t>
+            </a:r>
             <a:r>
               <a:rPr lang="en-US" altLang="zh-CN" dirty="0" err="1"/>
               <a:t>lcd</a:t>
             </a:r>
             <a:r>
               <a:rPr lang="en-US" altLang="zh-CN" dirty="0"/>
-              <a:t>: </a:t>
+              <a:t>(</a:t>
+            </a:r>
+            <a:r>
+              <a:rPr lang="en-US" altLang="zh-CN" dirty="0" err="1"/>
+              <a:t>rs</a:t>
+            </a:r>
+            <a:r>
+              <a:rPr lang="en-US" altLang="zh-CN" dirty="0"/>
+              <a:t>, enable, d4, d5, d6, d7) </a:t>
+            </a:r>
+          </a:p>
+          <a:p>
+            <a:pPr marL="914400" lvl="1" indent="-457200">
+              <a:buFont typeface="+mj-lt"/>
+              <a:buAutoNum type="arabicPeriod"/>
+            </a:pPr>
+            <a:r>
+              <a:rPr lang="en-US" altLang="zh-CN" dirty="0" err="1"/>
+              <a:t>LiquidCrystal</a:t>
+            </a:r>
+            <a:r>
+              <a:rPr lang="en-US" altLang="zh-CN" dirty="0"/>
+              <a:t>  </a:t>
+            </a:r>
+            <a:r>
+              <a:rPr lang="en-US" altLang="zh-CN" dirty="0" err="1"/>
+              <a:t>lcd</a:t>
+            </a:r>
+            <a:r>
+              <a:rPr lang="en-US" altLang="zh-CN" dirty="0"/>
+              <a:t>(</a:t>
+            </a:r>
+            <a:r>
+              <a:rPr lang="en-US" altLang="zh-CN" dirty="0" err="1"/>
+              <a:t>rs</a:t>
+            </a:r>
+            <a:r>
+              <a:rPr lang="en-US" altLang="zh-CN" dirty="0"/>
+              <a:t>, </a:t>
+            </a:r>
+            <a:r>
+              <a:rPr lang="en-US" altLang="zh-CN" dirty="0" err="1"/>
+              <a:t>rw</a:t>
+            </a:r>
+            <a:r>
+              <a:rPr lang="en-US" altLang="zh-CN" dirty="0"/>
+              <a:t>, enable, d4, d5, d6, d7) </a:t>
+            </a:r>
+          </a:p>
+          <a:p>
+            <a:pPr marL="914400" lvl="1" indent="-457200">
+              <a:buFont typeface="+mj-lt"/>
+              <a:buAutoNum type="arabicPeriod"/>
+            </a:pPr>
+            <a:r>
+              <a:rPr lang="en-US" altLang="zh-CN" dirty="0" err="1"/>
+              <a:t>LiquidCrystal</a:t>
+            </a:r>
+            <a:r>
+              <a:rPr lang="en-US" altLang="zh-CN" dirty="0"/>
+              <a:t>  </a:t>
+            </a:r>
+            <a:r>
+              <a:rPr lang="en-US" altLang="zh-CN" dirty="0" err="1"/>
+              <a:t>lcd</a:t>
+            </a:r>
+            <a:r>
+              <a:rPr lang="en-US" altLang="zh-CN" dirty="0"/>
+              <a:t>(</a:t>
+            </a:r>
+            <a:r>
+              <a:rPr lang="en-US" altLang="zh-CN" dirty="0" err="1"/>
+              <a:t>rs</a:t>
+            </a:r>
+            <a:r>
+              <a:rPr lang="en-US" altLang="zh-CN" dirty="0"/>
+              <a:t>, enable, d0, d1, d2, d3, d4, d5, d6, d7) </a:t>
+            </a:r>
+          </a:p>
+          <a:p>
+            <a:pPr marL="914400" lvl="1" indent="-457200">
+              <a:buFont typeface="+mj-lt"/>
+              <a:buAutoNum type="arabicPeriod"/>
+            </a:pPr>
+            <a:r>
+              <a:rPr lang="en-US" altLang="zh-CN" dirty="0" err="1"/>
+              <a:t>LiquidCrystal</a:t>
+            </a:r>
+            <a:r>
+              <a:rPr lang="en-US" altLang="zh-CN" dirty="0"/>
+              <a:t>  lcd(</a:t>
+            </a:r>
+            <a:r>
+              <a:rPr lang="en-US" altLang="zh-CN" dirty="0" err="1"/>
+              <a:t>rs</a:t>
+            </a:r>
+            <a:r>
+              <a:rPr lang="en-US" altLang="zh-CN" dirty="0"/>
+              <a:t>, </a:t>
+            </a:r>
+            <a:r>
+              <a:rPr lang="en-US" altLang="zh-CN" dirty="0" err="1"/>
+              <a:t>rw</a:t>
+            </a:r>
+            <a:r>
+              <a:rPr lang="en-US" altLang="zh-CN" dirty="0"/>
+              <a:t>, enable, d0, d1, d2, d3, d4, d5, d6, d7)</a:t>
+            </a:r>
+            <a:endParaRPr lang="zh-CN" altLang="zh-CN" dirty="0"/>
+          </a:p>
+          <a:p>
+            <a:r>
+              <a:rPr lang="zh-CN" altLang="zh-CN" b="1" dirty="0"/>
+              <a:t>参数设置：</a:t>
+            </a:r>
+          </a:p>
+          <a:p>
+            <a:pPr lvl="1"/>
+            <a:r>
+              <a:rPr lang="en-US" altLang="zh-CN" dirty="0" err="1"/>
+              <a:t>rs</a:t>
+            </a:r>
+            <a:r>
+              <a:rPr lang="en-US" altLang="zh-CN" dirty="0"/>
+              <a:t>:   </a:t>
+            </a:r>
+            <a:r>
+              <a:rPr lang="en-US" altLang="zh-CN" dirty="0" err="1"/>
+              <a:t>rs</a:t>
             </a:r>
             <a:r>
               <a:rPr lang="zh-CN" altLang="zh-CN" dirty="0"/>
-              <a:t>液晶类型的名称变量</a:t>
+              <a:t>连接的</a:t>
+            </a:r>
+            <a:r>
+              <a:rPr lang="en-US" altLang="zh-CN" dirty="0"/>
+              <a:t>Arduino</a:t>
+            </a:r>
+            <a:r>
+              <a:rPr lang="zh-CN" altLang="zh-CN" dirty="0"/>
+              <a:t>的引脚编号</a:t>
             </a:r>
             <a:r>
               <a:rPr lang="en-US" altLang="zh-CN" dirty="0"/>
@@ -8667,114 +9350,74 @@
           <a:p>
             <a:pPr lvl="1"/>
             <a:r>
-              <a:rPr lang="en-US" altLang="zh-CN" dirty="0"/>
-              <a:t>cols: </a:t>
+              <a:rPr lang="en-US" altLang="zh-CN" dirty="0" err="1"/>
+              <a:t>rw</a:t>
+            </a:r>
+            <a:r>
+              <a:rPr lang="en-US" altLang="zh-CN" dirty="0"/>
+              <a:t>:  </a:t>
+            </a:r>
+            <a:r>
+              <a:rPr lang="en-US" altLang="zh-CN" dirty="0" err="1"/>
+              <a:t>rw</a:t>
             </a:r>
             <a:r>
               <a:rPr lang="zh-CN" altLang="zh-CN" dirty="0"/>
-              <a:t>显示器可以显示的列数</a:t>
-            </a:r>
-            <a:r>
-              <a:rPr lang="en-US" altLang="zh-CN" dirty="0"/>
-              <a:t>(1602</a:t>
+              <a:t>连接的</a:t>
+            </a:r>
+            <a:r>
+              <a:rPr lang="en-US" altLang="zh-CN" dirty="0"/>
+              <a:t>Arduino</a:t>
             </a:r>
             <a:r>
               <a:rPr lang="zh-CN" altLang="zh-CN" dirty="0"/>
-              <a:t>是</a:t>
-            </a:r>
-            <a:r>
-              <a:rPr lang="en-US" altLang="zh-CN" dirty="0"/>
-              <a:t>16</a:t>
+              <a:t>的引脚编号</a:t>
+            </a:r>
+            <a:r>
+              <a:rPr lang="en-US" altLang="zh-CN" dirty="0"/>
+              <a:t> </a:t>
+            </a:r>
+          </a:p>
+          <a:p>
+            <a:pPr lvl="1"/>
+            <a:r>
+              <a:rPr lang="en-US" altLang="zh-CN" dirty="0"/>
+              <a:t>enable: enable</a:t>
             </a:r>
             <a:r>
               <a:rPr lang="zh-CN" altLang="zh-CN" dirty="0"/>
-              <a:t>列</a:t>
-            </a:r>
-            <a:r>
-              <a:rPr lang="en-US" altLang="zh-CN" dirty="0"/>
-              <a:t>) </a:t>
+              <a:t>连接的</a:t>
+            </a:r>
+            <a:r>
+              <a:rPr lang="en-US" altLang="zh-CN" dirty="0"/>
+              <a:t>Arduino</a:t>
+            </a:r>
+            <a:r>
+              <a:rPr lang="zh-CN" altLang="zh-CN" dirty="0"/>
+              <a:t>的引脚编号</a:t>
+            </a:r>
+            <a:r>
+              <a:rPr lang="en-US" altLang="zh-CN" dirty="0"/>
+              <a:t> </a:t>
             </a:r>
           </a:p>
           <a:p>
             <a:pPr lvl="1"/>
             <a:r>
               <a:rPr lang="en-US" altLang="zh-CN" dirty="0"/>
-              <a:t>rows: </a:t>
+              <a:t>d0, d1, d2, d3, d4, d5, d6, d7:  </a:t>
             </a:r>
             <a:r>
               <a:rPr lang="zh-CN" altLang="zh-CN" dirty="0"/>
-              <a:t>显示器可以显示的行数</a:t>
-            </a:r>
-            <a:r>
-              <a:rPr lang="en-US" altLang="zh-CN" dirty="0"/>
-              <a:t>(1602</a:t>
+              <a:t>连接的</a:t>
+            </a:r>
+            <a:r>
+              <a:rPr lang="en-US" altLang="zh-CN" dirty="0"/>
+              <a:t>Arduino</a:t>
             </a:r>
             <a:r>
               <a:rPr lang="zh-CN" altLang="zh-CN" dirty="0"/>
-              <a:t>是</a:t>
-            </a:r>
-            <a:r>
-              <a:rPr lang="en-US" altLang="zh-CN" dirty="0"/>
-              <a:t>2</a:t>
-            </a:r>
-            <a:r>
-              <a:rPr lang="zh-CN" altLang="zh-CN" dirty="0"/>
-              <a:t>行</a:t>
-            </a:r>
-            <a:r>
-              <a:rPr lang="en-US" altLang="zh-CN" dirty="0"/>
-              <a:t>)</a:t>
-            </a:r>
-            <a:endParaRPr lang="zh-CN" altLang="zh-CN" dirty="0"/>
-          </a:p>
-          <a:p>
-            <a:r>
-              <a:rPr lang="en-US" altLang="zh-CN" dirty="0" err="1"/>
-              <a:t>lcd.clear</a:t>
-            </a:r>
-            <a:r>
-              <a:rPr lang="en-US" altLang="zh-CN" dirty="0"/>
-              <a:t>() </a:t>
-            </a:r>
-          </a:p>
-          <a:p>
-            <a:pPr lvl="1"/>
-            <a:r>
-              <a:rPr lang="en-US" altLang="zh-CN" dirty="0"/>
-              <a:t>clear () </a:t>
-            </a:r>
-            <a:r>
-              <a:rPr lang="zh-CN" altLang="zh-CN" dirty="0"/>
-              <a:t>清除</a:t>
-            </a:r>
-            <a:r>
-              <a:rPr lang="en-US" altLang="zh-CN" dirty="0"/>
-              <a:t>LCD</a:t>
-            </a:r>
-            <a:r>
-              <a:rPr lang="zh-CN" altLang="zh-CN" dirty="0"/>
-              <a:t>屏幕上内容，并将光标置于左上角</a:t>
-            </a:r>
-          </a:p>
-          <a:p>
-            <a:r>
-              <a:rPr lang="en-US" altLang="zh-CN" dirty="0" err="1"/>
-              <a:t>lcd.home</a:t>
-            </a:r>
-            <a:r>
-              <a:rPr lang="en-US" altLang="zh-CN" dirty="0"/>
-              <a:t>() </a:t>
-            </a:r>
-          </a:p>
-          <a:p>
-            <a:pPr lvl="1"/>
-            <a:r>
-              <a:rPr lang="en-US" altLang="zh-CN" dirty="0"/>
-              <a:t>home() </a:t>
-            </a:r>
-            <a:r>
-              <a:rPr lang="zh-CN" altLang="zh-CN" dirty="0"/>
-              <a:t>将光标定位在屏幕的左上角。</a:t>
+              <a:t>的引脚编号</a:t>
             </a:r>
           </a:p>
         </p:txBody>
@@ -8782,7 +9425,7 @@
     </p:spTree>
     <p:extLst>
       <p:ext uri="{BB962C8B-B14F-4D97-AF65-F5344CB8AC3E}">
-        <p14:creationId xmlns:p14="http://schemas.microsoft.com/office/powerpoint/2010/main" val="4128091577"/>
+        <p14:creationId xmlns:p14="http://schemas.microsoft.com/office/powerpoint/2010/main" val="767624569"/>
       </p:ext>
     </p:extLst>
   </p:cSld>
@@ -8888,16 +9531,23 @@
               <a:t>LED</a:t>
             </a:r>
             <a:r>
+              <a:rPr lang="zh-CN" altLang="en-US" dirty="0"/>
+              <a:t>发光二极管模拟</a:t>
+            </a:r>
+            <a:r>
               <a:rPr lang="zh-CN" altLang="zh-CN" dirty="0"/>
-              <a:t>灯</a:t>
+              <a:t>交通灯</a:t>
             </a:r>
             <a:r>
               <a:rPr lang="zh-CN" altLang="en-US" dirty="0"/>
-              <a:t>模拟</a:t>
-            </a:r>
+              <a:t>。</a:t>
+            </a:r>
+            <a:endParaRPr lang="en-US" altLang="zh-CN" dirty="0"/>
+          </a:p>
+          <a:p>
             <a:r>
               <a:rPr lang="zh-CN" altLang="zh-CN" dirty="0"/>
-              <a:t>交通灯，红灯</a:t>
+              <a:t>红灯</a:t>
             </a:r>
             <a:r>
               <a:rPr lang="en-US" altLang="zh-CN" dirty="0"/>
@@ -8992,7 +9642,7 @@
           <p:cNvPr id="2" name="标题 1">
             <a:extLst>
               <a:ext uri="{FF2B5EF4-FFF2-40B4-BE49-F238E27FC236}">
-                <a16:creationId xmlns:a16="http://schemas.microsoft.com/office/drawing/2014/main" id="{CBED416B-40FD-4435-9989-C9339B4D0DA2}"/>
+                <a16:creationId xmlns:a16="http://schemas.microsoft.com/office/drawing/2014/main" id="{0725C7E4-4260-4334-8DBD-9DBA10FC8495}"/>
               </a:ext>
             </a:extLst>
           </p:cNvPr>
@@ -9025,7 +9675,7 @@
           <p:cNvPr id="3" name="内容占位符 2">
             <a:extLst>
               <a:ext uri="{FF2B5EF4-FFF2-40B4-BE49-F238E27FC236}">
-                <a16:creationId xmlns:a16="http://schemas.microsoft.com/office/drawing/2014/main" id="{D1ACA732-376C-40C4-9B91-65764EC600AC}"/>
+                <a16:creationId xmlns:a16="http://schemas.microsoft.com/office/drawing/2014/main" id="{E81BE9CA-7A52-4252-B131-01A1A38D94F2}"/>
               </a:ext>
             </a:extLst>
           </p:cNvPr>
@@ -9045,172 +9695,154 @@
           <a:p>
             <a:r>
               <a:rPr lang="en-US" altLang="zh-CN" dirty="0" err="1"/>
-              <a:t>lcd.setCursor</a:t>
-            </a:r>
-            <a:r>
-              <a:rPr lang="en-US" altLang="zh-CN" dirty="0"/>
-              <a:t>(col, row)   </a:t>
+              <a:t>lcd.begin</a:t>
+            </a:r>
+            <a:r>
+              <a:rPr lang="en-US" altLang="zh-CN" dirty="0"/>
+              <a:t>(cols, rows)   </a:t>
             </a:r>
           </a:p>
           <a:p>
             <a:pPr lvl="1"/>
             <a:r>
+              <a:rPr lang="en-US" altLang="zh-CN" dirty="0"/>
+              <a:t>begin ()</a:t>
+            </a:r>
+            <a:r>
+              <a:rPr lang="zh-CN" altLang="zh-CN" dirty="0"/>
+              <a:t>指定显示屏的尺寸（宽和高）</a:t>
+            </a:r>
+          </a:p>
+          <a:p>
+            <a:pPr lvl="1"/>
+            <a:r>
               <a:rPr lang="en-US" altLang="zh-CN" dirty="0" err="1"/>
-              <a:t>setCursor</a:t>
+              <a:t>lcd</a:t>
+            </a:r>
+            <a:r>
+              <a:rPr lang="en-US" altLang="zh-CN" dirty="0"/>
+              <a:t>: </a:t>
+            </a:r>
+            <a:r>
+              <a:rPr lang="zh-CN" altLang="zh-CN" dirty="0"/>
+              <a:t>液晶类型的名称变量</a:t>
+            </a:r>
+            <a:r>
+              <a:rPr lang="en-US" altLang="zh-CN" dirty="0"/>
+              <a:t> </a:t>
+            </a:r>
+          </a:p>
+          <a:p>
+            <a:pPr lvl="1"/>
+            <a:r>
+              <a:rPr lang="en-US" altLang="zh-CN" dirty="0"/>
+              <a:t>cols: </a:t>
+            </a:r>
+            <a:r>
+              <a:rPr lang="zh-CN" altLang="zh-CN" dirty="0"/>
+              <a:t>显示器可以显示的列数</a:t>
+            </a:r>
+            <a:r>
+              <a:rPr lang="en-US" altLang="zh-CN" dirty="0"/>
+              <a:t>(1602</a:t>
+            </a:r>
+            <a:r>
+              <a:rPr lang="zh-CN" altLang="zh-CN" dirty="0"/>
+              <a:t>是</a:t>
+            </a:r>
+            <a:r>
+              <a:rPr lang="en-US" altLang="zh-CN" dirty="0"/>
+              <a:t>16</a:t>
+            </a:r>
+            <a:r>
+              <a:rPr lang="zh-CN" altLang="zh-CN" dirty="0"/>
+              <a:t>列</a:t>
+            </a:r>
+            <a:r>
+              <a:rPr lang="en-US" altLang="zh-CN" dirty="0"/>
+              <a:t>) </a:t>
+            </a:r>
+          </a:p>
+          <a:p>
+            <a:pPr lvl="1"/>
+            <a:r>
+              <a:rPr lang="en-US" altLang="zh-CN" dirty="0"/>
+              <a:t>rows: </a:t>
+            </a:r>
+            <a:r>
+              <a:rPr lang="zh-CN" altLang="zh-CN" dirty="0"/>
+              <a:t>显示器可以显示的行数</a:t>
+            </a:r>
+            <a:r>
+              <a:rPr lang="en-US" altLang="zh-CN" dirty="0"/>
+              <a:t>(1602</a:t>
+            </a:r>
+            <a:r>
+              <a:rPr lang="zh-CN" altLang="zh-CN" dirty="0"/>
+              <a:t>是</a:t>
+            </a:r>
+            <a:r>
+              <a:rPr lang="en-US" altLang="zh-CN" dirty="0"/>
+              <a:t>2</a:t>
+            </a:r>
+            <a:r>
+              <a:rPr lang="zh-CN" altLang="zh-CN" dirty="0"/>
+              <a:t>行</a:t>
+            </a:r>
+            <a:r>
+              <a:rPr lang="en-US" altLang="zh-CN" dirty="0"/>
+              <a:t>)</a:t>
+            </a:r>
+            <a:endParaRPr lang="zh-CN" altLang="zh-CN" dirty="0"/>
+          </a:p>
+          <a:p>
+            <a:r>
+              <a:rPr lang="en-US" altLang="zh-CN" dirty="0" err="1"/>
+              <a:t>lcd.clear</a:t>
             </a:r>
             <a:r>
               <a:rPr lang="en-US" altLang="zh-CN" dirty="0"/>
               <a:t>() </a:t>
             </a:r>
+          </a:p>
+          <a:p>
+            <a:pPr lvl="1"/>
+            <a:r>
+              <a:rPr lang="en-US" altLang="zh-CN" dirty="0"/>
+              <a:t>clear () </a:t>
+            </a:r>
             <a:r>
               <a:rPr lang="zh-CN" altLang="zh-CN" dirty="0"/>
-              <a:t>将光标设置在特定的位置</a:t>
-            </a:r>
-            <a:endParaRPr lang="en-US" altLang="zh-CN" dirty="0"/>
+              <a:t>清除</a:t>
+            </a:r>
+            <a:r>
+              <a:rPr lang="en-US" altLang="zh-CN" dirty="0"/>
+              <a:t>LCD</a:t>
+            </a:r>
+            <a:r>
+              <a:rPr lang="zh-CN" altLang="zh-CN" dirty="0"/>
+              <a:t>屏幕上内容，并将光标置于左上角</a:t>
+            </a:r>
+          </a:p>
+          <a:p>
+            <a:r>
+              <a:rPr lang="en-US" altLang="zh-CN" dirty="0" err="1"/>
+              <a:t>lcd.home</a:t>
+            </a:r>
+            <a:r>
+              <a:rPr lang="en-US" altLang="zh-CN" dirty="0"/>
+              <a:t>() </a:t>
+            </a:r>
           </a:p>
           <a:p>
             <a:pPr lvl="1"/>
             <a:r>
               <a:rPr lang="en-US" altLang="zh-CN" dirty="0"/>
-              <a:t>row</a:t>
+              <a:t>home() </a:t>
             </a:r>
             <a:r>
               <a:rPr lang="zh-CN" altLang="zh-CN" dirty="0"/>
-              <a:t>有两个取值</a:t>
-            </a:r>
-            <a:r>
-              <a:rPr lang="en-US" altLang="zh-CN" dirty="0"/>
-              <a:t>0</a:t>
-            </a:r>
-            <a:r>
-              <a:rPr lang="zh-CN" altLang="zh-CN" dirty="0"/>
-              <a:t>和</a:t>
-            </a:r>
-            <a:r>
-              <a:rPr lang="en-US" altLang="zh-CN" dirty="0"/>
-              <a:t>1,0</a:t>
-            </a:r>
-            <a:r>
-              <a:rPr lang="zh-CN" altLang="zh-CN" dirty="0"/>
-              <a:t>表示第一列，</a:t>
-            </a:r>
-            <a:r>
-              <a:rPr lang="en-US" altLang="zh-CN" dirty="0"/>
-              <a:t>1</a:t>
-            </a:r>
-            <a:r>
-              <a:rPr lang="zh-CN" altLang="zh-CN" dirty="0"/>
-              <a:t>表示第二列</a:t>
-            </a:r>
-            <a:endParaRPr lang="en-US" altLang="zh-CN" dirty="0"/>
-          </a:p>
-          <a:p>
-            <a:pPr lvl="1"/>
-            <a:r>
-              <a:rPr lang="en-US" altLang="zh-CN" dirty="0"/>
-              <a:t>col</a:t>
-            </a:r>
-            <a:r>
-              <a:rPr lang="zh-CN" altLang="zh-CN" dirty="0"/>
-              <a:t>的取值为</a:t>
-            </a:r>
-            <a:r>
-              <a:rPr lang="en-US" altLang="zh-CN" dirty="0"/>
-              <a:t>0-15</a:t>
-            </a:r>
-            <a:endParaRPr lang="zh-CN" altLang="zh-CN" dirty="0"/>
-          </a:p>
-          <a:p>
-            <a:r>
-              <a:rPr lang="en-US" altLang="zh-CN" dirty="0" err="1"/>
-              <a:t>lcd.write</a:t>
-            </a:r>
-            <a:r>
-              <a:rPr lang="en-US" altLang="zh-CN" dirty="0"/>
-              <a:t>(data)  </a:t>
-            </a:r>
-          </a:p>
-          <a:p>
-            <a:pPr lvl="1"/>
-            <a:r>
-              <a:rPr lang="en-US" altLang="zh-CN" dirty="0"/>
-              <a:t>write() </a:t>
-            </a:r>
-            <a:r>
-              <a:rPr lang="zh-CN" altLang="zh-CN" dirty="0"/>
-              <a:t>向</a:t>
-            </a:r>
-            <a:r>
-              <a:rPr lang="en-US" altLang="zh-CN" dirty="0"/>
-              <a:t>LCD</a:t>
-            </a:r>
-            <a:r>
-              <a:rPr lang="zh-CN" altLang="zh-CN" dirty="0"/>
-              <a:t>写一个字符</a:t>
-            </a:r>
-          </a:p>
-          <a:p>
-            <a:r>
-              <a:rPr lang="en-US" altLang="zh-CN" dirty="0" err="1"/>
-              <a:t>lcd.print</a:t>
-            </a:r>
-            <a:r>
-              <a:rPr lang="en-US" altLang="zh-CN" dirty="0"/>
-              <a:t>(data)   </a:t>
-            </a:r>
-          </a:p>
-          <a:p>
-            <a:pPr lvl="1"/>
-            <a:r>
-              <a:rPr lang="en-US" altLang="zh-CN" dirty="0"/>
-              <a:t>print() </a:t>
-            </a:r>
-            <a:r>
-              <a:rPr lang="zh-CN" altLang="zh-CN" dirty="0"/>
-              <a:t>将文本内容显示在</a:t>
-            </a:r>
-            <a:r>
-              <a:rPr lang="en-US" altLang="zh-CN" dirty="0"/>
-              <a:t>LCD</a:t>
-            </a:r>
-            <a:r>
-              <a:rPr lang="zh-CN" altLang="zh-CN" dirty="0"/>
-              <a:t>上</a:t>
-            </a:r>
-          </a:p>
-          <a:p>
-            <a:pPr lvl="1"/>
-            <a:r>
-              <a:rPr lang="en-US" altLang="zh-CN" dirty="0"/>
-              <a:t>data: </a:t>
-            </a:r>
-            <a:r>
-              <a:rPr lang="zh-CN" altLang="zh-CN" dirty="0"/>
-              <a:t>你要显示的字符（仅限英文和数字和你自己定义的字符</a:t>
-            </a:r>
-            <a:r>
-              <a:rPr lang="zh-CN" altLang="en-US" dirty="0"/>
-              <a:t>）</a:t>
-            </a:r>
-            <a:r>
-              <a:rPr lang="zh-CN" altLang="zh-CN" dirty="0"/>
-              <a:t>。可以是</a:t>
-            </a:r>
-            <a:r>
-              <a:rPr lang="en-US" altLang="zh-CN" dirty="0"/>
-              <a:t>char, byte, int, long</a:t>
-            </a:r>
-            <a:r>
-              <a:rPr lang="zh-CN" altLang="zh-CN" dirty="0"/>
-              <a:t>或者</a:t>
-            </a:r>
-            <a:r>
-              <a:rPr lang="en-US" altLang="zh-CN" dirty="0"/>
-              <a:t>string</a:t>
-            </a:r>
-            <a:r>
-              <a:rPr lang="zh-CN" altLang="zh-CN" dirty="0"/>
-              <a:t>类型的。</a:t>
+              <a:t>将光标定位在屏幕的左上角。</a:t>
             </a:r>
           </a:p>
         </p:txBody>
@@ -9218,7 +9850,7 @@
     </p:spTree>
     <p:extLst>
       <p:ext uri="{BB962C8B-B14F-4D97-AF65-F5344CB8AC3E}">
-        <p14:creationId xmlns:p14="http://schemas.microsoft.com/office/powerpoint/2010/main" val="3878760871"/>
+        <p14:creationId xmlns:p14="http://schemas.microsoft.com/office/powerpoint/2010/main" val="4128091577"/>
       </p:ext>
     </p:extLst>
   </p:cSld>
@@ -9262,7 +9894,7 @@
           <p:cNvPr id="2" name="标题 1">
             <a:extLst>
               <a:ext uri="{FF2B5EF4-FFF2-40B4-BE49-F238E27FC236}">
-                <a16:creationId xmlns:a16="http://schemas.microsoft.com/office/drawing/2014/main" id="{223D87E4-94CF-4289-AF62-BDF503F37994}"/>
+                <a16:creationId xmlns:a16="http://schemas.microsoft.com/office/drawing/2014/main" id="{CBED416B-40FD-4435-9989-C9339B4D0DA2}"/>
               </a:ext>
             </a:extLst>
           </p:cNvPr>
@@ -9295,7 +9927,7 @@
           <p:cNvPr id="3" name="内容占位符 2">
             <a:extLst>
               <a:ext uri="{FF2B5EF4-FFF2-40B4-BE49-F238E27FC236}">
-                <a16:creationId xmlns:a16="http://schemas.microsoft.com/office/drawing/2014/main" id="{54F1B671-0676-46C2-B9B1-DC16848F858A}"/>
+                <a16:creationId xmlns:a16="http://schemas.microsoft.com/office/drawing/2014/main" id="{D1ACA732-376C-40C4-9B91-65764EC600AC}"/>
               </a:ext>
             </a:extLst>
           </p:cNvPr>
@@ -9309,162 +9941,178 @@
         <p:spPr/>
         <p:txBody>
           <a:bodyPr>
-            <a:normAutofit fontScale="55000" lnSpcReduction="20000"/>
+            <a:normAutofit fontScale="85000" lnSpcReduction="20000"/>
           </a:bodyPr>
           <a:lstStyle/>
           <a:p>
             <a:r>
               <a:rPr lang="en-US" altLang="zh-CN" dirty="0" err="1"/>
-              <a:t>lcd.cursor</a:t>
-            </a:r>
-            <a:r>
-              <a:rPr lang="en-US" altLang="zh-CN" dirty="0"/>
-              <a:t>()   </a:t>
+              <a:t>lcd.setCursor</a:t>
+            </a:r>
+            <a:r>
+              <a:rPr lang="en-US" altLang="zh-CN" dirty="0"/>
+              <a:t>(col, row)   </a:t>
             </a:r>
           </a:p>
           <a:p>
             <a:pPr lvl="1"/>
             <a:r>
-              <a:rPr lang="en-US" altLang="zh-CN" dirty="0"/>
-              <a:t>cursor() </a:t>
+              <a:rPr lang="en-US" altLang="zh-CN" dirty="0" err="1"/>
+              <a:t>setCursor</a:t>
+            </a:r>
+            <a:r>
+              <a:rPr lang="en-US" altLang="zh-CN" dirty="0"/>
+              <a:t>() </a:t>
             </a:r>
             <a:r>
               <a:rPr lang="zh-CN" altLang="zh-CN" dirty="0"/>
-              <a:t>显示光标（显示下一个字符将被显示的位置）</a:t>
-            </a:r>
+              <a:t>将光标设置在特定的位置</a:t>
+            </a:r>
+            <a:endParaRPr lang="en-US" altLang="zh-CN" dirty="0"/>
+          </a:p>
+          <a:p>
+            <a:pPr lvl="1"/>
+            <a:r>
+              <a:rPr lang="en-US" altLang="zh-CN" dirty="0"/>
+              <a:t>row</a:t>
+            </a:r>
+            <a:r>
+              <a:rPr lang="zh-CN" altLang="zh-CN" dirty="0"/>
+              <a:t>有两个取值</a:t>
+            </a:r>
+            <a:r>
+              <a:rPr lang="en-US" altLang="zh-CN" dirty="0"/>
+              <a:t>0</a:t>
+            </a:r>
+            <a:r>
+              <a:rPr lang="zh-CN" altLang="zh-CN" dirty="0"/>
+              <a:t>和</a:t>
+            </a:r>
+            <a:r>
+              <a:rPr lang="en-US" altLang="zh-CN" dirty="0"/>
+              <a:t>1,0</a:t>
+            </a:r>
+            <a:r>
+              <a:rPr lang="zh-CN" altLang="zh-CN" dirty="0"/>
+              <a:t>表示第一列，</a:t>
+            </a:r>
+            <a:r>
+              <a:rPr lang="en-US" altLang="zh-CN" dirty="0"/>
+              <a:t>1</a:t>
+            </a:r>
+            <a:r>
+              <a:rPr lang="zh-CN" altLang="zh-CN" dirty="0"/>
+              <a:t>表示第二列</a:t>
+            </a:r>
+            <a:endParaRPr lang="en-US" altLang="zh-CN" dirty="0"/>
+          </a:p>
+          <a:p>
+            <a:pPr lvl="1"/>
+            <a:r>
+              <a:rPr lang="en-US" altLang="zh-CN" dirty="0"/>
+              <a:t>col</a:t>
+            </a:r>
+            <a:r>
+              <a:rPr lang="zh-CN" altLang="zh-CN" dirty="0"/>
+              <a:t>的取值为</a:t>
+            </a:r>
+            <a:r>
+              <a:rPr lang="en-US" altLang="zh-CN" dirty="0"/>
+              <a:t>0-15</a:t>
+            </a:r>
+            <a:endParaRPr lang="zh-CN" altLang="zh-CN" dirty="0"/>
           </a:p>
           <a:p>
             <a:r>
               <a:rPr lang="en-US" altLang="zh-CN" dirty="0" err="1"/>
-              <a:t>lcd.noCursor</a:t>
-            </a:r>
-            <a:r>
-              <a:rPr lang="en-US" altLang="zh-CN" dirty="0"/>
-              <a:t>()  </a:t>
+              <a:t>lcd.write</a:t>
+            </a:r>
+            <a:r>
+              <a:rPr lang="en-US" altLang="zh-CN" dirty="0"/>
+              <a:t>(data)  </a:t>
             </a:r>
           </a:p>
           <a:p>
             <a:pPr lvl="1"/>
             <a:r>
+              <a:rPr lang="en-US" altLang="zh-CN" dirty="0"/>
+              <a:t>write() </a:t>
+            </a:r>
+            <a:r>
+              <a:rPr lang="zh-CN" altLang="zh-CN" dirty="0"/>
+              <a:t>向</a:t>
+            </a:r>
+            <a:r>
+              <a:rPr lang="en-US" altLang="zh-CN" dirty="0"/>
+              <a:t>LCD</a:t>
+            </a:r>
+            <a:r>
+              <a:rPr lang="zh-CN" altLang="zh-CN" dirty="0"/>
+              <a:t>写一个字符</a:t>
+            </a:r>
+          </a:p>
+          <a:p>
+            <a:r>
               <a:rPr lang="en-US" altLang="zh-CN" dirty="0" err="1"/>
-              <a:t>noCursor</a:t>
-            </a:r>
-            <a:r>
-              <a:rPr lang="en-US" altLang="zh-CN" dirty="0"/>
-              <a:t>() </a:t>
+              <a:t>lcd.print</a:t>
+            </a:r>
+            <a:r>
+              <a:rPr lang="en-US" altLang="zh-CN" dirty="0"/>
+              <a:t>(data)   </a:t>
+            </a:r>
+          </a:p>
+          <a:p>
+            <a:pPr lvl="1"/>
+            <a:r>
+              <a:rPr lang="en-US" altLang="zh-CN" dirty="0"/>
+              <a:t>print() </a:t>
             </a:r>
             <a:r>
               <a:rPr lang="zh-CN" altLang="zh-CN" dirty="0"/>
-              <a:t>隐藏光标</a:t>
-            </a:r>
-          </a:p>
-          <a:p>
-            <a:r>
-              <a:rPr lang="en-US" altLang="zh-CN" dirty="0" err="1"/>
-              <a:t>lcd.blink</a:t>
-            </a:r>
-            <a:r>
-              <a:rPr lang="en-US" altLang="zh-CN" dirty="0"/>
-              <a:t>()   </a:t>
+              <a:t>将文本内容显示在</a:t>
+            </a:r>
+            <a:r>
+              <a:rPr lang="en-US" altLang="zh-CN" dirty="0"/>
+              <a:t>LCD</a:t>
+            </a:r>
+            <a:r>
+              <a:rPr lang="zh-CN" altLang="zh-CN" dirty="0"/>
+              <a:t>上</a:t>
             </a:r>
           </a:p>
           <a:p>
             <a:pPr lvl="1"/>
             <a:r>
               <a:rPr lang="en-US" altLang="zh-CN" dirty="0"/>
-              <a:t>blink() </a:t>
+              <a:t>data: </a:t>
             </a:r>
             <a:r>
               <a:rPr lang="zh-CN" altLang="zh-CN" dirty="0"/>
-              <a:t>显示闪烁的光标</a:t>
-            </a:r>
-          </a:p>
-          <a:p>
-            <a:r>
-              <a:rPr lang="en-US" altLang="zh-CN" dirty="0" err="1"/>
-              <a:t>lcd.noBlink</a:t>
-            </a:r>
-            <a:r>
-              <a:rPr lang="en-US" altLang="zh-CN" dirty="0"/>
-              <a:t>()  </a:t>
-            </a:r>
-          </a:p>
-          <a:p>
-            <a:pPr lvl="1"/>
-            <a:r>
-              <a:rPr lang="en-US" altLang="zh-CN" dirty="0" err="1"/>
-              <a:t>noBlink</a:t>
-            </a:r>
-            <a:r>
-              <a:rPr lang="en-US" altLang="zh-CN" dirty="0"/>
-              <a:t>() </a:t>
+              <a:t>你要显示的字符（仅限英文和数字和你自己定义的字符</a:t>
+            </a:r>
+            <a:r>
+              <a:rPr lang="zh-CN" altLang="en-US" dirty="0"/>
+              <a:t>）</a:t>
             </a:r>
             <a:r>
               <a:rPr lang="zh-CN" altLang="zh-CN" dirty="0"/>
-              <a:t>关闭闪烁的光标</a:t>
-            </a:r>
-          </a:p>
-          <a:p>
-            <a:r>
-              <a:rPr lang="en-US" altLang="zh-CN" dirty="0" err="1"/>
-              <a:t>lcd.noDisplay</a:t>
-            </a:r>
-            <a:r>
-              <a:rPr lang="en-US" altLang="zh-CN" dirty="0"/>
-              <a:t>()  </a:t>
-            </a:r>
-          </a:p>
-          <a:p>
-            <a:pPr lvl="1"/>
-            <a:r>
-              <a:rPr lang="en-US" altLang="zh-CN" dirty="0" err="1"/>
-              <a:t>noDisplay</a:t>
-            </a:r>
-            <a:r>
-              <a:rPr lang="en-US" altLang="zh-CN" dirty="0"/>
-              <a:t>() </a:t>
+              <a:t>。可以是</a:t>
+            </a:r>
+            <a:r>
+              <a:rPr lang="en-US" altLang="zh-CN" dirty="0"/>
+              <a:t>char, byte, int, long</a:t>
             </a:r>
             <a:r>
               <a:rPr lang="zh-CN" altLang="zh-CN" dirty="0"/>
-              <a:t>关闭液晶显示，但原来显示的内容不会丢失</a:t>
-            </a:r>
-          </a:p>
-          <a:p>
-            <a:r>
-              <a:rPr lang="en-US" altLang="zh-CN" dirty="0" err="1"/>
-              <a:t>lcd.display</a:t>
-            </a:r>
-            <a:r>
-              <a:rPr lang="en-US" altLang="zh-CN" dirty="0"/>
-              <a:t>()</a:t>
+              <a:t>或者</a:t>
+            </a:r>
+            <a:r>
+              <a:rPr lang="en-US" altLang="zh-CN" dirty="0"/>
+              <a:t>string</a:t>
             </a:r>
             <a:r>
               <a:rPr lang="zh-CN" altLang="zh-CN" dirty="0"/>
-              <a:t>　</a:t>
-            </a:r>
-            <a:endParaRPr lang="en-US" altLang="zh-CN" dirty="0"/>
-          </a:p>
-          <a:p>
-            <a:pPr lvl="1"/>
-            <a:r>
-              <a:rPr lang="en-US" altLang="zh-CN" dirty="0"/>
-              <a:t>display() </a:t>
-            </a:r>
-            <a:r>
-              <a:rPr lang="zh-CN" altLang="zh-CN" dirty="0"/>
-              <a:t>恢复使用</a:t>
-            </a:r>
-            <a:r>
-              <a:rPr lang="en-US" altLang="zh-CN" dirty="0" err="1"/>
-              <a:t>noDisplay</a:t>
-            </a:r>
-            <a:r>
-              <a:rPr lang="en-US" altLang="zh-CN" dirty="0"/>
-              <a:t>()</a:t>
-            </a:r>
-            <a:r>
-              <a:rPr lang="zh-CN" altLang="zh-CN" dirty="0"/>
-              <a:t>函数隐藏的内容</a:t>
+              <a:t>类型的。</a:t>
             </a:r>
           </a:p>
         </p:txBody>
@@ -9472,7 +10120,7 @@
     </p:spTree>
     <p:extLst>
       <p:ext uri="{BB962C8B-B14F-4D97-AF65-F5344CB8AC3E}">
-        <p14:creationId xmlns:p14="http://schemas.microsoft.com/office/powerpoint/2010/main" val="3579044747"/>
+        <p14:creationId xmlns:p14="http://schemas.microsoft.com/office/powerpoint/2010/main" val="3878760871"/>
       </p:ext>
     </p:extLst>
   </p:cSld>
@@ -9516,7 +10164,7 @@
           <p:cNvPr id="2" name="标题 1">
             <a:extLst>
               <a:ext uri="{FF2B5EF4-FFF2-40B4-BE49-F238E27FC236}">
-                <a16:creationId xmlns:a16="http://schemas.microsoft.com/office/drawing/2014/main" id="{3F65BDB4-115A-4FD0-A9A9-12D1F82878BE}"/>
+                <a16:creationId xmlns:a16="http://schemas.microsoft.com/office/drawing/2014/main" id="{223D87E4-94CF-4289-AF62-BDF503F37994}"/>
               </a:ext>
             </a:extLst>
           </p:cNvPr>
@@ -9549,7 +10197,7 @@
           <p:cNvPr id="3" name="内容占位符 2">
             <a:extLst>
               <a:ext uri="{FF2B5EF4-FFF2-40B4-BE49-F238E27FC236}">
-                <a16:creationId xmlns:a16="http://schemas.microsoft.com/office/drawing/2014/main" id="{C22216EB-6083-4093-8DF7-AF9047C08995}"/>
+                <a16:creationId xmlns:a16="http://schemas.microsoft.com/office/drawing/2014/main" id="{54F1B671-0676-46C2-B9B1-DC16848F858A}"/>
               </a:ext>
             </a:extLst>
           </p:cNvPr>
@@ -9569,7 +10217,28 @@
           <a:p>
             <a:r>
               <a:rPr lang="en-US" altLang="zh-CN" dirty="0" err="1"/>
-              <a:t>lcd.scrollDisplayLeft</a:t>
+              <a:t>lcd.cursor</a:t>
+            </a:r>
+            <a:r>
+              <a:rPr lang="en-US" altLang="zh-CN" dirty="0"/>
+              <a:t>()   </a:t>
+            </a:r>
+          </a:p>
+          <a:p>
+            <a:pPr lvl="1"/>
+            <a:r>
+              <a:rPr lang="en-US" altLang="zh-CN" dirty="0"/>
+              <a:t>cursor() </a:t>
+            </a:r>
+            <a:r>
+              <a:rPr lang="zh-CN" altLang="zh-CN" dirty="0"/>
+              <a:t>显示光标（显示下一个字符将被显示的位置）</a:t>
+            </a:r>
+          </a:p>
+          <a:p>
+            <a:r>
+              <a:rPr lang="en-US" altLang="zh-CN" dirty="0" err="1"/>
+              <a:t>lcd.noCursor</a:t>
             </a:r>
             <a:r>
               <a:rPr lang="en-US" altLang="zh-CN" dirty="0"/>
@@ -9579,113 +10248,133 @@
           <a:p>
             <a:pPr lvl="1"/>
             <a:r>
+              <a:rPr lang="en-US" altLang="zh-CN" dirty="0" err="1"/>
+              <a:t>noCursor</a:t>
+            </a:r>
+            <a:r>
+              <a:rPr lang="en-US" altLang="zh-CN" dirty="0"/>
+              <a:t>() </a:t>
+            </a:r>
+            <a:r>
               <a:rPr lang="zh-CN" altLang="zh-CN" dirty="0"/>
-              <a:t>使屏幕上的内容向左滚动一个字符</a:t>
+              <a:t>隐藏光标</a:t>
             </a:r>
           </a:p>
           <a:p>
             <a:r>
               <a:rPr lang="en-US" altLang="zh-CN" dirty="0" err="1"/>
-              <a:t>lcd.scrollDisplayRight</a:t>
+              <a:t>lcd.blink</a:t>
+            </a:r>
+            <a:r>
+              <a:rPr lang="en-US" altLang="zh-CN" dirty="0"/>
+              <a:t>()   </a:t>
+            </a:r>
+          </a:p>
+          <a:p>
+            <a:pPr lvl="1"/>
+            <a:r>
+              <a:rPr lang="en-US" altLang="zh-CN" dirty="0"/>
+              <a:t>blink() </a:t>
+            </a:r>
+            <a:r>
+              <a:rPr lang="zh-CN" altLang="zh-CN" dirty="0"/>
+              <a:t>显示闪烁的光标</a:t>
+            </a:r>
+          </a:p>
+          <a:p>
+            <a:r>
+              <a:rPr lang="en-US" altLang="zh-CN" dirty="0" err="1"/>
+              <a:t>lcd.noBlink</a:t>
+            </a:r>
+            <a:r>
+              <a:rPr lang="en-US" altLang="zh-CN" dirty="0"/>
+              <a:t>()  </a:t>
+            </a:r>
+          </a:p>
+          <a:p>
+            <a:pPr lvl="1"/>
+            <a:r>
+              <a:rPr lang="en-US" altLang="zh-CN" dirty="0" err="1"/>
+              <a:t>noBlink</a:t>
             </a:r>
             <a:r>
               <a:rPr lang="en-US" altLang="zh-CN" dirty="0"/>
               <a:t>() </a:t>
             </a:r>
+            <a:r>
+              <a:rPr lang="zh-CN" altLang="zh-CN" dirty="0"/>
+              <a:t>关闭闪烁的光标</a:t>
+            </a:r>
+          </a:p>
+          <a:p>
+            <a:r>
+              <a:rPr lang="en-US" altLang="zh-CN" dirty="0" err="1"/>
+              <a:t>lcd.noDisplay</a:t>
+            </a:r>
+            <a:r>
+              <a:rPr lang="en-US" altLang="zh-CN" dirty="0"/>
+              <a:t>()  </a:t>
+            </a:r>
           </a:p>
           <a:p>
             <a:pPr lvl="1"/>
             <a:r>
+              <a:rPr lang="en-US" altLang="zh-CN" dirty="0" err="1"/>
+              <a:t>noDisplay</a:t>
+            </a:r>
+            <a:r>
+              <a:rPr lang="en-US" altLang="zh-CN" dirty="0"/>
+              <a:t>() </a:t>
+            </a:r>
+            <a:r>
               <a:rPr lang="zh-CN" altLang="zh-CN" dirty="0"/>
-              <a:t>使屏幕上的内容向右滚动一个字符</a:t>
+              <a:t>关闭液晶显示，但原来显示的内容不会丢失</a:t>
             </a:r>
           </a:p>
           <a:p>
             <a:r>
               <a:rPr lang="en-US" altLang="zh-CN" dirty="0" err="1"/>
-              <a:t>lcd.leftToRight</a:t>
-            </a:r>
-            <a:r>
-              <a:rPr lang="en-US" altLang="zh-CN" dirty="0"/>
-              <a:t>() </a:t>
-            </a:r>
+              <a:t>lcd.display</a:t>
+            </a:r>
+            <a:r>
+              <a:rPr lang="en-US" altLang="zh-CN" dirty="0"/>
+              <a:t>()</a:t>
+            </a:r>
+            <a:r>
+              <a:rPr lang="zh-CN" altLang="zh-CN" dirty="0"/>
+              <a:t>　</a:t>
+            </a:r>
+            <a:endParaRPr lang="en-US" altLang="zh-CN" dirty="0"/>
           </a:p>
           <a:p>
             <a:pPr lvl="1"/>
             <a:r>
+              <a:rPr lang="en-US" altLang="zh-CN" dirty="0"/>
+              <a:t>display() </a:t>
+            </a:r>
+            <a:r>
               <a:rPr lang="zh-CN" altLang="zh-CN" dirty="0"/>
-              <a:t>将文本从左到右写入屏幕，这意味着后续字符的显示将是从左向右的，但是不会影响先前显示的字符</a:t>
-            </a:r>
-            <a:endParaRPr lang="zh-CN" altLang="zh-CN" b="1" dirty="0"/>
-          </a:p>
-          <a:p>
+              <a:t>恢复使用</a:t>
+            </a:r>
             <a:r>
               <a:rPr lang="en-US" altLang="zh-CN" dirty="0" err="1"/>
-              <a:t>lcd.rightToLeft</a:t>
-            </a:r>
-            <a:r>
-              <a:rPr lang="en-US" altLang="zh-CN" dirty="0"/>
-              <a:t>()   </a:t>
-            </a:r>
-          </a:p>
-          <a:p>
-            <a:pPr lvl="1"/>
+              <a:t>noDisplay</a:t>
+            </a:r>
+            <a:r>
+              <a:rPr lang="en-US" altLang="zh-CN" dirty="0"/>
+              <a:t>()</a:t>
+            </a:r>
             <a:r>
               <a:rPr lang="zh-CN" altLang="zh-CN" dirty="0"/>
-              <a:t>将文本从右到左写入屏幕，这意味着后续字符的显示将是从右至左写入，但不影响先前显示的字符</a:t>
-            </a:r>
-            <a:endParaRPr lang="zh-CN" altLang="zh-CN" b="1" dirty="0"/>
-          </a:p>
-          <a:p>
-            <a:r>
-              <a:rPr lang="en-US" altLang="zh-CN" dirty="0" err="1"/>
-              <a:t>lcd.autoscroll</a:t>
-            </a:r>
-            <a:r>
-              <a:rPr lang="en-US" altLang="zh-CN" dirty="0"/>
-              <a:t>() </a:t>
-            </a:r>
-          </a:p>
-          <a:p>
-            <a:pPr lvl="1"/>
-            <a:r>
-              <a:rPr lang="zh-CN" altLang="zh-CN" dirty="0"/>
-              <a:t>打开液晶显示屏的自动滚动，将会使得当一个字符输出到</a:t>
-            </a:r>
-            <a:r>
-              <a:rPr lang="en-US" altLang="zh-CN" dirty="0"/>
-              <a:t>LCD</a:t>
-            </a:r>
-            <a:r>
-              <a:rPr lang="zh-CN" altLang="zh-CN" dirty="0"/>
-              <a:t>时，令先前的文本移动一个位置。</a:t>
-            </a:r>
-            <a:endParaRPr lang="en-US" altLang="zh-CN" dirty="0"/>
-          </a:p>
-          <a:p>
-            <a:r>
-              <a:rPr lang="en-US" altLang="zh-CN" dirty="0" err="1"/>
-              <a:t>lcd.noAutoscroll</a:t>
-            </a:r>
-            <a:r>
-              <a:rPr lang="en-US" altLang="zh-CN" dirty="0"/>
-              <a:t>()  </a:t>
-            </a:r>
-          </a:p>
-          <a:p>
-            <a:pPr lvl="1"/>
-            <a:r>
-              <a:rPr lang="zh-CN" altLang="zh-CN" dirty="0"/>
-              <a:t>关闭自动滚动功能</a:t>
-            </a:r>
-            <a:endParaRPr lang="zh-CN" altLang="zh-CN" b="1" dirty="0"/>
+              <a:t>函数隐藏的内容</a:t>
+            </a:r>
           </a:p>
         </p:txBody>
       </p:sp>
     </p:spTree>
     <p:extLst>
       <p:ext uri="{BB962C8B-B14F-4D97-AF65-F5344CB8AC3E}">
-        <p14:creationId xmlns:p14="http://schemas.microsoft.com/office/powerpoint/2010/main" val="328091438"/>
+        <p14:creationId xmlns:p14="http://schemas.microsoft.com/office/powerpoint/2010/main" val="3579044747"/>
       </p:ext>
     </p:extLst>
   </p:cSld>
@@ -9729,7 +10418,7 @@
           <p:cNvPr id="2" name="标题 1">
             <a:extLst>
               <a:ext uri="{FF2B5EF4-FFF2-40B4-BE49-F238E27FC236}">
-                <a16:creationId xmlns:a16="http://schemas.microsoft.com/office/drawing/2014/main" id="{B7A64B36-7591-41C9-8590-BB849D44C623}"/>
+                <a16:creationId xmlns:a16="http://schemas.microsoft.com/office/drawing/2014/main" id="{3F65BDB4-115A-4FD0-A9A9-12D1F82878BE}"/>
               </a:ext>
             </a:extLst>
           </p:cNvPr>
@@ -9762,7 +10451,7 @@
           <p:cNvPr id="3" name="内容占位符 2">
             <a:extLst>
               <a:ext uri="{FF2B5EF4-FFF2-40B4-BE49-F238E27FC236}">
-                <a16:creationId xmlns:a16="http://schemas.microsoft.com/office/drawing/2014/main" id="{B9D17239-3DB0-4976-A135-3821FB16E092}"/>
+                <a16:creationId xmlns:a16="http://schemas.microsoft.com/office/drawing/2014/main" id="{C22216EB-6083-4093-8DF7-AF9047C08995}"/>
               </a:ext>
             </a:extLst>
           </p:cNvPr>
@@ -9775,121 +10464,130 @@
         </p:nvSpPr>
         <p:spPr/>
         <p:txBody>
-          <a:bodyPr/>
+          <a:bodyPr>
+            <a:normAutofit fontScale="55000" lnSpcReduction="20000"/>
+          </a:bodyPr>
           <a:lstStyle/>
           <a:p>
             <a:r>
               <a:rPr lang="en-US" altLang="zh-CN" dirty="0" err="1"/>
-              <a:t>lcd.createChar</a:t>
-            </a:r>
-            <a:r>
-              <a:rPr lang="en-US" altLang="zh-CN" dirty="0"/>
-              <a:t>(num, data)  </a:t>
+              <a:t>lcd.scrollDisplayLeft</a:t>
+            </a:r>
+            <a:r>
+              <a:rPr lang="en-US" altLang="zh-CN" dirty="0"/>
+              <a:t>()  </a:t>
             </a:r>
           </a:p>
           <a:p>
             <a:pPr lvl="1"/>
             <a:r>
               <a:rPr lang="zh-CN" altLang="zh-CN" dirty="0"/>
-              <a:t>创建用户自定义的字符，共可创建</a:t>
-            </a:r>
-            <a:r>
-              <a:rPr lang="en-US" altLang="zh-CN" dirty="0"/>
-              <a:t>8</a:t>
-            </a:r>
+              <a:t>使屏幕上的内容向左滚动一个字符</a:t>
+            </a:r>
+          </a:p>
+          <a:p>
+            <a:r>
+              <a:rPr lang="en-US" altLang="zh-CN" dirty="0" err="1"/>
+              <a:t>lcd.scrollDisplayRight</a:t>
+            </a:r>
+            <a:r>
+              <a:rPr lang="en-US" altLang="zh-CN" dirty="0"/>
+              <a:t>() </a:t>
+            </a:r>
+          </a:p>
+          <a:p>
+            <a:pPr lvl="1"/>
             <a:r>
               <a:rPr lang="zh-CN" altLang="zh-CN" dirty="0"/>
-              <a:t>个用户自定义字符，编号从</a:t>
-            </a:r>
-            <a:r>
-              <a:rPr lang="en-US" altLang="zh-CN" dirty="0"/>
-              <a:t>0-7</a:t>
-            </a:r>
+              <a:t>使屏幕上的内容向右滚动一个字符</a:t>
+            </a:r>
+          </a:p>
+          <a:p>
+            <a:r>
+              <a:rPr lang="en-US" altLang="zh-CN" dirty="0" err="1"/>
+              <a:t>lcd.leftToRight</a:t>
+            </a:r>
+            <a:r>
+              <a:rPr lang="en-US" altLang="zh-CN" dirty="0"/>
+              <a:t>() </a:t>
+            </a:r>
+          </a:p>
+          <a:p>
+            <a:pPr lvl="1"/>
             <a:r>
               <a:rPr lang="zh-CN" altLang="zh-CN" dirty="0"/>
-              <a:t>，自定义的字符是由一个</a:t>
-            </a:r>
-            <a:r>
-              <a:rPr lang="en-US" altLang="zh-CN" dirty="0"/>
-              <a:t>5*7</a:t>
-            </a:r>
+              <a:t>将文本从左到右写入屏幕，这意味着后续字符的显示将是从左向右的，但是不会影响先前显示的字符</a:t>
+            </a:r>
+            <a:endParaRPr lang="zh-CN" altLang="zh-CN" b="1" dirty="0"/>
+          </a:p>
+          <a:p>
+            <a:r>
+              <a:rPr lang="en-US" altLang="zh-CN" dirty="0" err="1"/>
+              <a:t>lcd.rightToLeft</a:t>
+            </a:r>
+            <a:r>
+              <a:rPr lang="en-US" altLang="zh-CN" dirty="0"/>
+              <a:t>()   </a:t>
+            </a:r>
+          </a:p>
+          <a:p>
+            <a:pPr lvl="1"/>
             <a:r>
               <a:rPr lang="zh-CN" altLang="zh-CN" dirty="0"/>
-              <a:t>的像素构成，</a:t>
-            </a:r>
-            <a:r>
-              <a:rPr lang="en-US" altLang="zh-CN" dirty="0"/>
-              <a:t>1</a:t>
-            </a:r>
+              <a:t>将文本从右到左写入屏幕，这意味着后续字符的显示将是从右至左写入，但不影响先前显示的字符</a:t>
+            </a:r>
+            <a:endParaRPr lang="zh-CN" altLang="zh-CN" b="1" dirty="0"/>
+          </a:p>
+          <a:p>
+            <a:r>
+              <a:rPr lang="en-US" altLang="zh-CN" dirty="0" err="1"/>
+              <a:t>lcd.autoscroll</a:t>
+            </a:r>
+            <a:r>
+              <a:rPr lang="en-US" altLang="zh-CN" dirty="0"/>
+              <a:t>() </a:t>
+            </a:r>
+          </a:p>
+          <a:p>
+            <a:pPr lvl="1"/>
             <a:r>
               <a:rPr lang="zh-CN" altLang="zh-CN" dirty="0"/>
-              <a:t>表示亮，</a:t>
-            </a:r>
-            <a:r>
-              <a:rPr lang="en-US" altLang="zh-CN" dirty="0"/>
-              <a:t>0</a:t>
+              <a:t>打开液晶显示屏的自动滚动，将会使得当一个字符输出到</a:t>
+            </a:r>
+            <a:r>
+              <a:rPr lang="en-US" altLang="zh-CN" dirty="0"/>
+              <a:t>LCD</a:t>
             </a:r>
             <a:r>
               <a:rPr lang="zh-CN" altLang="zh-CN" dirty="0"/>
-              <a:t>表示暗</a:t>
-            </a:r>
-            <a:endParaRPr lang="en-US" altLang="zh-CN" b="1" dirty="0"/>
+              <a:t>时，令先前的文本移动一个位置。</a:t>
+            </a:r>
+            <a:endParaRPr lang="en-US" altLang="zh-CN" dirty="0"/>
+          </a:p>
+          <a:p>
+            <a:r>
+              <a:rPr lang="en-US" altLang="zh-CN" dirty="0" err="1"/>
+              <a:t>lcd.noAutoscroll</a:t>
+            </a:r>
+            <a:r>
+              <a:rPr lang="en-US" altLang="zh-CN" dirty="0"/>
+              <a:t>()  </a:t>
+            </a:r>
           </a:p>
           <a:p>
             <a:pPr lvl="1"/>
             <a:r>
-              <a:rPr lang="en-US" altLang="zh-CN" dirty="0" err="1"/>
-              <a:t>lcd</a:t>
-            </a:r>
-            <a:r>
-              <a:rPr lang="en-US" altLang="zh-CN" dirty="0"/>
-              <a:t>:   a variable of type </a:t>
-            </a:r>
-            <a:r>
-              <a:rPr lang="en-US" altLang="zh-CN" dirty="0" err="1"/>
-              <a:t>LiquidCrystal</a:t>
-            </a:r>
-            <a:r>
-              <a:rPr lang="en-US" altLang="zh-CN" dirty="0"/>
-              <a:t> </a:t>
-            </a:r>
-            <a:br>
-              <a:rPr lang="en-US" altLang="zh-CN" dirty="0"/>
-            </a:br>
-            <a:r>
-              <a:rPr lang="en-US" altLang="zh-CN" dirty="0"/>
-              <a:t>num: </a:t>
-            </a:r>
-            <a:r>
               <a:rPr lang="zh-CN" altLang="zh-CN" dirty="0"/>
-              <a:t>所创建字符的编号</a:t>
-            </a:r>
-            <a:r>
-              <a:rPr lang="en-US" altLang="zh-CN" dirty="0"/>
-              <a:t>(0-7) </a:t>
-            </a:r>
-            <a:br>
-              <a:rPr lang="en-US" altLang="zh-CN" dirty="0"/>
-            </a:br>
-            <a:r>
-              <a:rPr lang="en-US" altLang="zh-CN" dirty="0"/>
-              <a:t>data: </a:t>
-            </a:r>
-            <a:r>
-              <a:rPr lang="zh-CN" altLang="zh-CN" dirty="0"/>
-              <a:t>字符的像素数据</a:t>
+              <a:t>关闭自动滚动功能</a:t>
             </a:r>
             <a:endParaRPr lang="zh-CN" altLang="zh-CN" b="1" dirty="0"/>
-          </a:p>
-          <a:p>
-            <a:endParaRPr lang="zh-CN" altLang="en-US" dirty="0"/>
           </a:p>
         </p:txBody>
       </p:sp>
     </p:spTree>
     <p:extLst>
       <p:ext uri="{BB962C8B-B14F-4D97-AF65-F5344CB8AC3E}">
-        <p14:creationId xmlns:p14="http://schemas.microsoft.com/office/powerpoint/2010/main" val="223442102"/>
+        <p14:creationId xmlns:p14="http://schemas.microsoft.com/office/powerpoint/2010/main" val="328091438"/>
       </p:ext>
     </p:extLst>
   </p:cSld>
@@ -9933,6 +10631,210 @@
           <p:cNvPr id="2" name="标题 1">
             <a:extLst>
               <a:ext uri="{FF2B5EF4-FFF2-40B4-BE49-F238E27FC236}">
+                <a16:creationId xmlns:a16="http://schemas.microsoft.com/office/drawing/2014/main" id="{B7A64B36-7591-41C9-8590-BB849D44C623}"/>
+              </a:ext>
+            </a:extLst>
+          </p:cNvPr>
+          <p:cNvSpPr>
+            <a:spLocks noGrp="1"/>
+          </p:cNvSpPr>
+          <p:nvPr>
+            <p:ph type="title"/>
+          </p:nvPr>
+        </p:nvSpPr>
+        <p:spPr/>
+        <p:txBody>
+          <a:bodyPr/>
+          <a:lstStyle/>
+          <a:p>
+            <a:pPr algn="ctr"/>
+            <a:r>
+              <a:rPr lang="en-US" altLang="zh-CN" dirty="0" err="1"/>
+              <a:t>LiquidCrystal</a:t>
+            </a:r>
+            <a:r>
+              <a:rPr lang="zh-CN" altLang="en-US" dirty="0"/>
+              <a:t>库（续）</a:t>
+            </a:r>
+          </a:p>
+        </p:txBody>
+      </p:sp>
+      <p:sp>
+        <p:nvSpPr>
+          <p:cNvPr id="3" name="内容占位符 2">
+            <a:extLst>
+              <a:ext uri="{FF2B5EF4-FFF2-40B4-BE49-F238E27FC236}">
+                <a16:creationId xmlns:a16="http://schemas.microsoft.com/office/drawing/2014/main" id="{B9D17239-3DB0-4976-A135-3821FB16E092}"/>
+              </a:ext>
+            </a:extLst>
+          </p:cNvPr>
+          <p:cNvSpPr>
+            <a:spLocks noGrp="1"/>
+          </p:cNvSpPr>
+          <p:nvPr>
+            <p:ph idx="1"/>
+          </p:nvPr>
+        </p:nvSpPr>
+        <p:spPr/>
+        <p:txBody>
+          <a:bodyPr/>
+          <a:lstStyle/>
+          <a:p>
+            <a:r>
+              <a:rPr lang="en-US" altLang="zh-CN" dirty="0" err="1"/>
+              <a:t>lcd.createChar</a:t>
+            </a:r>
+            <a:r>
+              <a:rPr lang="en-US" altLang="zh-CN" dirty="0"/>
+              <a:t>(num, data)  </a:t>
+            </a:r>
+          </a:p>
+          <a:p>
+            <a:pPr lvl="1"/>
+            <a:r>
+              <a:rPr lang="zh-CN" altLang="zh-CN" dirty="0"/>
+              <a:t>创建用户自定义的字符，共可创建</a:t>
+            </a:r>
+            <a:r>
+              <a:rPr lang="en-US" altLang="zh-CN" dirty="0"/>
+              <a:t>8</a:t>
+            </a:r>
+            <a:r>
+              <a:rPr lang="zh-CN" altLang="zh-CN" dirty="0"/>
+              <a:t>个用户自定义字符，编号从</a:t>
+            </a:r>
+            <a:r>
+              <a:rPr lang="en-US" altLang="zh-CN" dirty="0"/>
+              <a:t>0-7</a:t>
+            </a:r>
+            <a:r>
+              <a:rPr lang="zh-CN" altLang="zh-CN" dirty="0"/>
+              <a:t>，自定义的字符是由一个</a:t>
+            </a:r>
+            <a:r>
+              <a:rPr lang="en-US" altLang="zh-CN" dirty="0"/>
+              <a:t>5*7</a:t>
+            </a:r>
+            <a:r>
+              <a:rPr lang="zh-CN" altLang="zh-CN" dirty="0"/>
+              <a:t>的像素构成，</a:t>
+            </a:r>
+            <a:r>
+              <a:rPr lang="en-US" altLang="zh-CN" dirty="0"/>
+              <a:t>1</a:t>
+            </a:r>
+            <a:r>
+              <a:rPr lang="zh-CN" altLang="zh-CN" dirty="0"/>
+              <a:t>表示亮，</a:t>
+            </a:r>
+            <a:r>
+              <a:rPr lang="en-US" altLang="zh-CN" dirty="0"/>
+              <a:t>0</a:t>
+            </a:r>
+            <a:r>
+              <a:rPr lang="zh-CN" altLang="zh-CN" dirty="0"/>
+              <a:t>表示暗</a:t>
+            </a:r>
+            <a:endParaRPr lang="en-US" altLang="zh-CN" b="1" dirty="0"/>
+          </a:p>
+          <a:p>
+            <a:pPr lvl="1"/>
+            <a:r>
+              <a:rPr lang="en-US" altLang="zh-CN" dirty="0" err="1"/>
+              <a:t>lcd</a:t>
+            </a:r>
+            <a:r>
+              <a:rPr lang="en-US" altLang="zh-CN" dirty="0"/>
+              <a:t>:   a variable of type </a:t>
+            </a:r>
+            <a:r>
+              <a:rPr lang="en-US" altLang="zh-CN" dirty="0" err="1"/>
+              <a:t>LiquidCrystal</a:t>
+            </a:r>
+            <a:r>
+              <a:rPr lang="en-US" altLang="zh-CN" dirty="0"/>
+              <a:t> </a:t>
+            </a:r>
+            <a:br>
+              <a:rPr lang="en-US" altLang="zh-CN" dirty="0"/>
+            </a:br>
+            <a:r>
+              <a:rPr lang="en-US" altLang="zh-CN" dirty="0"/>
+              <a:t>num: </a:t>
+            </a:r>
+            <a:r>
+              <a:rPr lang="zh-CN" altLang="zh-CN" dirty="0"/>
+              <a:t>所创建字符的编号</a:t>
+            </a:r>
+            <a:r>
+              <a:rPr lang="en-US" altLang="zh-CN" dirty="0"/>
+              <a:t>(0-7) </a:t>
+            </a:r>
+            <a:br>
+              <a:rPr lang="en-US" altLang="zh-CN" dirty="0"/>
+            </a:br>
+            <a:r>
+              <a:rPr lang="en-US" altLang="zh-CN" dirty="0"/>
+              <a:t>data: </a:t>
+            </a:r>
+            <a:r>
+              <a:rPr lang="zh-CN" altLang="zh-CN" dirty="0"/>
+              <a:t>字符的像素数据</a:t>
+            </a:r>
+            <a:endParaRPr lang="zh-CN" altLang="zh-CN" b="1" dirty="0"/>
+          </a:p>
+          <a:p>
+            <a:endParaRPr lang="zh-CN" altLang="en-US" dirty="0"/>
+          </a:p>
+        </p:txBody>
+      </p:sp>
+    </p:spTree>
+    <p:extLst>
+      <p:ext uri="{BB962C8B-B14F-4D97-AF65-F5344CB8AC3E}">
+        <p14:creationId xmlns:p14="http://schemas.microsoft.com/office/powerpoint/2010/main" val="223442102"/>
+      </p:ext>
+    </p:extLst>
+  </p:cSld>
+  <p:clrMapOvr>
+    <a:masterClrMapping/>
+  </p:clrMapOvr>
+  <mc:AlternateContent xmlns:mc="http://schemas.openxmlformats.org/markup-compatibility/2006" xmlns:p14="http://schemas.microsoft.com/office/powerpoint/2010/main">
+    <mc:Choice Requires="p14">
+      <p:transition spd="slow" p14:dur="1250">
+        <p:push dir="u"/>
+      </p:transition>
+    </mc:Choice>
+    <mc:Fallback xmlns="">
+      <p:transition spd="slow">
+        <p:push dir="u"/>
+      </p:transition>
+    </mc:Fallback>
+  </mc:AlternateContent>
+</p:sld>
+</file>
+
+<file path=ppt/slides/slide25.xml><?xml version="1.0" encoding="utf-8"?>
+<p:sld xmlns:a="http://schemas.openxmlformats.org/drawingml/2006/main" xmlns:r="http://schemas.openxmlformats.org/officeDocument/2006/relationships" xmlns:p="http://schemas.openxmlformats.org/presentationml/2006/main">
+  <p:cSld>
+    <p:spTree>
+      <p:nvGrpSpPr>
+        <p:cNvPr id="1" name=""/>
+        <p:cNvGrpSpPr/>
+        <p:nvPr/>
+      </p:nvGrpSpPr>
+      <p:grpSpPr>
+        <a:xfrm>
+          <a:off x="0" y="0"/>
+          <a:ext cx="0" cy="0"/>
+          <a:chOff x="0" y="0"/>
+          <a:chExt cx="0" cy="0"/>
+        </a:xfrm>
+      </p:grpSpPr>
+      <p:sp>
+        <p:nvSpPr>
+          <p:cNvPr id="2" name="标题 1">
+            <a:extLst>
+              <a:ext uri="{FF2B5EF4-FFF2-40B4-BE49-F238E27FC236}">
                 <a16:creationId xmlns:a16="http://schemas.microsoft.com/office/drawing/2014/main" id="{AF148EB3-81E2-4AF4-8789-73E43EF75B0B}"/>
               </a:ext>
             </a:extLst>
@@ -10137,7 +11039,7 @@
 </p:sld>
 </file>
 
-<file path=ppt/slides/slide25.xml><?xml version="1.0" encoding="utf-8"?>
+<file path=ppt/slides/slide26.xml><?xml version="1.0" encoding="utf-8"?>
 <p:sld xmlns:a="http://schemas.openxmlformats.org/drawingml/2006/main" xmlns:r="http://schemas.openxmlformats.org/officeDocument/2006/relationships" xmlns:p="http://schemas.openxmlformats.org/presentationml/2006/main">
   <p:cSld>
     <p:spTree>
@@ -10245,7 +11147,7 @@
 </p:sld>
 </file>
 
-<file path=ppt/slides/slide26.xml><?xml version="1.0" encoding="utf-8"?>
+<file path=ppt/slides/slide27.xml><?xml version="1.0" encoding="utf-8"?>
 <p:sld xmlns:a="http://schemas.openxmlformats.org/drawingml/2006/main" xmlns:r="http://schemas.openxmlformats.org/officeDocument/2006/relationships" xmlns:p="http://schemas.openxmlformats.org/presentationml/2006/main">
   <p:cSld>
     <p:spTree>
@@ -11038,24 +11940,24 @@
         <p:spPr/>
         <p:txBody>
           <a:bodyPr>
-            <a:normAutofit fontScale="85000" lnSpcReduction="20000"/>
+            <a:normAutofit fontScale="92500" lnSpcReduction="10000"/>
           </a:bodyPr>
           <a:lstStyle/>
           <a:p>
             <a:r>
               <a:rPr lang="en-US" altLang="zh-CN" dirty="0" err="1"/>
-              <a:t>a~f</a:t>
+              <a:t>a~g</a:t>
             </a:r>
             <a:r>
               <a:rPr lang="zh-CN" altLang="en-US" dirty="0"/>
-              <a:t>加限流电阻</a:t>
+              <a:t>加限流电阻。</a:t>
             </a:r>
             <a:endParaRPr lang="en-US" altLang="zh-CN" dirty="0"/>
           </a:p>
           <a:p>
             <a:r>
               <a:rPr lang="zh-CN" altLang="en-US" dirty="0"/>
-              <a:t>判断数码管是共阴极还是共阳极</a:t>
+              <a:t>判断数码管是共阴极还是共阳极。</a:t>
             </a:r>
             <a:endParaRPr lang="en-US" altLang="zh-CN" dirty="0"/>
           </a:p>
@@ -11132,16 +12034,6 @@
               <a:t>电阻数个</a:t>
             </a:r>
             <a:endParaRPr lang="en-US" altLang="zh-CN" dirty="0"/>
-          </a:p>
-          <a:p>
-            <a:pPr marL="914400" lvl="1" indent="-457200">
-              <a:buFont typeface="+mj-lt"/>
-              <a:buAutoNum type="arabicPeriod"/>
-            </a:pPr>
-            <a:r>
-              <a:rPr lang="zh-CN" altLang="en-US" dirty="0"/>
-              <a:t>红绿灯模块</a:t>
-            </a:r>
           </a:p>
         </p:txBody>
       </p:sp>
